--- a/FFPM/FFPM 351.pptx
+++ b/FFPM/FFPM 351.pptx
@@ -116,6 +116,22 @@
       </a:defRPr>
     </a:lvl9pPr>
   </p:defaultTextStyle>
+  <p:extLst>
+    <p:ext uri="{EFAFB233-063F-42B5-8137-9DF3F51BA10A}">
+      <p15:sldGuideLst xmlns:p15="http://schemas.microsoft.com/office/powerpoint/2012/main">
+        <p15:guide id="1" orient="horz" pos="1620">
+          <p15:clr>
+            <a:srgbClr val="A4A3A4"/>
+          </p15:clr>
+        </p15:guide>
+        <p15:guide id="2" pos="2880">
+          <p15:clr>
+            <a:srgbClr val="A4A3A4"/>
+          </p15:clr>
+        </p15:guide>
+      </p15:sldGuideLst>
+    </p:ext>
+  </p:extLst>
 </p:presentation>
 </file>
 
@@ -157,10 +173,9 @@
           <a:lstStyle/>
           <a:p>
             <a:r>
-              <a:rPr lang="fr-FR" smtClean="0"/>
+              <a:rPr lang="fr-FR"/>
               <a:t>Cliquez pour modifier le style du titre</a:t>
             </a:r>
-            <a:endParaRPr lang="fr-FR"/>
           </a:p>
         </p:txBody>
       </p:sp>
@@ -276,10 +291,9 @@
           </a:lstStyle>
           <a:p>
             <a:r>
-              <a:rPr lang="fr-FR" smtClean="0"/>
+              <a:rPr lang="fr-FR"/>
               <a:t>Cliquez pour modifier le style des sous-titres du masque</a:t>
             </a:r>
-            <a:endParaRPr lang="fr-FR"/>
           </a:p>
         </p:txBody>
       </p:sp>
@@ -300,7 +314,7 @@
           <a:p>
             <a:fld id="{8AAD7852-40A3-40EF-BA39-58A959142D0F}" type="datetimeFigureOut">
               <a:rPr lang="fr-FR" smtClean="0"/>
-              <a:t>12/12/2014</a:t>
+              <a:t>10/09/2023</a:t>
             </a:fld>
             <a:endParaRPr lang="fr-FR"/>
           </a:p>
@@ -389,10 +403,9 @@
           <a:lstStyle/>
           <a:p>
             <a:r>
-              <a:rPr lang="fr-FR" smtClean="0"/>
+              <a:rPr lang="fr-FR"/>
               <a:t>Cliquez pour modifier le style du titre</a:t>
             </a:r>
-            <a:endParaRPr lang="fr-FR"/>
           </a:p>
         </p:txBody>
       </p:sp>
@@ -413,38 +426,37 @@
           <a:p>
             <a:pPr lvl="0"/>
             <a:r>
-              <a:rPr lang="fr-FR" smtClean="0"/>
+              <a:rPr lang="fr-FR"/>
               <a:t>Cliquez pour modifier les styles du texte du masque</a:t>
             </a:r>
           </a:p>
           <a:p>
             <a:pPr lvl="1"/>
             <a:r>
-              <a:rPr lang="fr-FR" smtClean="0"/>
+              <a:rPr lang="fr-FR"/>
               <a:t>Deuxième niveau</a:t>
             </a:r>
           </a:p>
           <a:p>
             <a:pPr lvl="2"/>
             <a:r>
-              <a:rPr lang="fr-FR" smtClean="0"/>
+              <a:rPr lang="fr-FR"/>
               <a:t>Troisième niveau</a:t>
             </a:r>
           </a:p>
           <a:p>
             <a:pPr lvl="3"/>
             <a:r>
-              <a:rPr lang="fr-FR" smtClean="0"/>
+              <a:rPr lang="fr-FR"/>
               <a:t>Quatrième niveau</a:t>
             </a:r>
           </a:p>
           <a:p>
             <a:pPr lvl="4"/>
             <a:r>
-              <a:rPr lang="fr-FR" smtClean="0"/>
+              <a:rPr lang="fr-FR"/>
               <a:t>Cinquième niveau</a:t>
             </a:r>
-            <a:endParaRPr lang="fr-FR"/>
           </a:p>
         </p:txBody>
       </p:sp>
@@ -465,7 +477,7 @@
           <a:p>
             <a:fld id="{8AAD7852-40A3-40EF-BA39-58A959142D0F}" type="datetimeFigureOut">
               <a:rPr lang="fr-FR" smtClean="0"/>
-              <a:t>12/12/2014</a:t>
+              <a:t>10/09/2023</a:t>
             </a:fld>
             <a:endParaRPr lang="fr-FR"/>
           </a:p>
@@ -559,10 +571,9 @@
           <a:lstStyle/>
           <a:p>
             <a:r>
-              <a:rPr lang="fr-FR" smtClean="0"/>
+              <a:rPr lang="fr-FR"/>
               <a:t>Cliquez pour modifier le style du titre</a:t>
             </a:r>
-            <a:endParaRPr lang="fr-FR"/>
           </a:p>
         </p:txBody>
       </p:sp>
@@ -588,38 +599,37 @@
           <a:p>
             <a:pPr lvl="0"/>
             <a:r>
-              <a:rPr lang="fr-FR" smtClean="0"/>
+              <a:rPr lang="fr-FR"/>
               <a:t>Cliquez pour modifier les styles du texte du masque</a:t>
             </a:r>
           </a:p>
           <a:p>
             <a:pPr lvl="1"/>
             <a:r>
-              <a:rPr lang="fr-FR" smtClean="0"/>
+              <a:rPr lang="fr-FR"/>
               <a:t>Deuxième niveau</a:t>
             </a:r>
           </a:p>
           <a:p>
             <a:pPr lvl="2"/>
             <a:r>
-              <a:rPr lang="fr-FR" smtClean="0"/>
+              <a:rPr lang="fr-FR"/>
               <a:t>Troisième niveau</a:t>
             </a:r>
           </a:p>
           <a:p>
             <a:pPr lvl="3"/>
             <a:r>
-              <a:rPr lang="fr-FR" smtClean="0"/>
+              <a:rPr lang="fr-FR"/>
               <a:t>Quatrième niveau</a:t>
             </a:r>
           </a:p>
           <a:p>
             <a:pPr lvl="4"/>
             <a:r>
-              <a:rPr lang="fr-FR" smtClean="0"/>
+              <a:rPr lang="fr-FR"/>
               <a:t>Cinquième niveau</a:t>
             </a:r>
-            <a:endParaRPr lang="fr-FR"/>
           </a:p>
         </p:txBody>
       </p:sp>
@@ -640,7 +650,7 @@
           <a:p>
             <a:fld id="{8AAD7852-40A3-40EF-BA39-58A959142D0F}" type="datetimeFigureOut">
               <a:rPr lang="fr-FR" smtClean="0"/>
-              <a:t>12/12/2014</a:t>
+              <a:t>10/09/2023</a:t>
             </a:fld>
             <a:endParaRPr lang="fr-FR"/>
           </a:p>
@@ -729,10 +739,9 @@
           <a:lstStyle/>
           <a:p>
             <a:r>
-              <a:rPr lang="fr-FR" smtClean="0"/>
+              <a:rPr lang="fr-FR"/>
               <a:t>Cliquez pour modifier le style du titre</a:t>
             </a:r>
-            <a:endParaRPr lang="fr-FR"/>
           </a:p>
         </p:txBody>
       </p:sp>
@@ -753,38 +762,37 @@
           <a:p>
             <a:pPr lvl="0"/>
             <a:r>
-              <a:rPr lang="fr-FR" smtClean="0"/>
+              <a:rPr lang="fr-FR"/>
               <a:t>Cliquez pour modifier les styles du texte du masque</a:t>
             </a:r>
           </a:p>
           <a:p>
             <a:pPr lvl="1"/>
             <a:r>
-              <a:rPr lang="fr-FR" smtClean="0"/>
+              <a:rPr lang="fr-FR"/>
               <a:t>Deuxième niveau</a:t>
             </a:r>
           </a:p>
           <a:p>
             <a:pPr lvl="2"/>
             <a:r>
-              <a:rPr lang="fr-FR" smtClean="0"/>
+              <a:rPr lang="fr-FR"/>
               <a:t>Troisième niveau</a:t>
             </a:r>
           </a:p>
           <a:p>
             <a:pPr lvl="3"/>
             <a:r>
-              <a:rPr lang="fr-FR" smtClean="0"/>
+              <a:rPr lang="fr-FR"/>
               <a:t>Quatrième niveau</a:t>
             </a:r>
           </a:p>
           <a:p>
             <a:pPr lvl="4"/>
             <a:r>
-              <a:rPr lang="fr-FR" smtClean="0"/>
+              <a:rPr lang="fr-FR"/>
               <a:t>Cinquième niveau</a:t>
             </a:r>
-            <a:endParaRPr lang="fr-FR"/>
           </a:p>
         </p:txBody>
       </p:sp>
@@ -805,7 +813,7 @@
           <a:p>
             <a:fld id="{8AAD7852-40A3-40EF-BA39-58A959142D0F}" type="datetimeFigureOut">
               <a:rPr lang="fr-FR" smtClean="0"/>
-              <a:t>12/12/2014</a:t>
+              <a:t>10/09/2023</a:t>
             </a:fld>
             <a:endParaRPr lang="fr-FR"/>
           </a:p>
@@ -903,10 +911,9 @@
           </a:lstStyle>
           <a:p>
             <a:r>
-              <a:rPr lang="fr-FR" smtClean="0"/>
+              <a:rPr lang="fr-FR"/>
               <a:t>Cliquez pour modifier le style du titre</a:t>
             </a:r>
-            <a:endParaRPr lang="fr-FR"/>
           </a:p>
         </p:txBody>
       </p:sp>
@@ -1023,7 +1030,7 @@
           <a:p>
             <a:pPr lvl="0"/>
             <a:r>
-              <a:rPr lang="fr-FR" smtClean="0"/>
+              <a:rPr lang="fr-FR"/>
               <a:t>Cliquez pour modifier les styles du texte du masque</a:t>
             </a:r>
           </a:p>
@@ -1046,7 +1053,7 @@
           <a:p>
             <a:fld id="{8AAD7852-40A3-40EF-BA39-58A959142D0F}" type="datetimeFigureOut">
               <a:rPr lang="fr-FR" smtClean="0"/>
-              <a:t>12/12/2014</a:t>
+              <a:t>10/09/2023</a:t>
             </a:fld>
             <a:endParaRPr lang="fr-FR"/>
           </a:p>
@@ -1135,10 +1142,9 @@
           <a:lstStyle/>
           <a:p>
             <a:r>
-              <a:rPr lang="fr-FR" smtClean="0"/>
+              <a:rPr lang="fr-FR"/>
               <a:t>Cliquez pour modifier le style du titre</a:t>
             </a:r>
-            <a:endParaRPr lang="fr-FR"/>
           </a:p>
         </p:txBody>
       </p:sp>
@@ -1192,38 +1198,37 @@
           <a:p>
             <a:pPr lvl="0"/>
             <a:r>
-              <a:rPr lang="fr-FR" smtClean="0"/>
+              <a:rPr lang="fr-FR"/>
               <a:t>Cliquez pour modifier les styles du texte du masque</a:t>
             </a:r>
           </a:p>
           <a:p>
             <a:pPr lvl="1"/>
             <a:r>
-              <a:rPr lang="fr-FR" smtClean="0"/>
+              <a:rPr lang="fr-FR"/>
               <a:t>Deuxième niveau</a:t>
             </a:r>
           </a:p>
           <a:p>
             <a:pPr lvl="2"/>
             <a:r>
-              <a:rPr lang="fr-FR" smtClean="0"/>
+              <a:rPr lang="fr-FR"/>
               <a:t>Troisième niveau</a:t>
             </a:r>
           </a:p>
           <a:p>
             <a:pPr lvl="3"/>
             <a:r>
-              <a:rPr lang="fr-FR" smtClean="0"/>
+              <a:rPr lang="fr-FR"/>
               <a:t>Quatrième niveau</a:t>
             </a:r>
           </a:p>
           <a:p>
             <a:pPr lvl="4"/>
             <a:r>
-              <a:rPr lang="fr-FR" smtClean="0"/>
+              <a:rPr lang="fr-FR"/>
               <a:t>Cinquième niveau</a:t>
             </a:r>
-            <a:endParaRPr lang="fr-FR"/>
           </a:p>
         </p:txBody>
       </p:sp>
@@ -1277,38 +1282,37 @@
           <a:p>
             <a:pPr lvl="0"/>
             <a:r>
-              <a:rPr lang="fr-FR" smtClean="0"/>
+              <a:rPr lang="fr-FR"/>
               <a:t>Cliquez pour modifier les styles du texte du masque</a:t>
             </a:r>
           </a:p>
           <a:p>
             <a:pPr lvl="1"/>
             <a:r>
-              <a:rPr lang="fr-FR" smtClean="0"/>
+              <a:rPr lang="fr-FR"/>
               <a:t>Deuxième niveau</a:t>
             </a:r>
           </a:p>
           <a:p>
             <a:pPr lvl="2"/>
             <a:r>
-              <a:rPr lang="fr-FR" smtClean="0"/>
+              <a:rPr lang="fr-FR"/>
               <a:t>Troisième niveau</a:t>
             </a:r>
           </a:p>
           <a:p>
             <a:pPr lvl="3"/>
             <a:r>
-              <a:rPr lang="fr-FR" smtClean="0"/>
+              <a:rPr lang="fr-FR"/>
               <a:t>Quatrième niveau</a:t>
             </a:r>
           </a:p>
           <a:p>
             <a:pPr lvl="4"/>
             <a:r>
-              <a:rPr lang="fr-FR" smtClean="0"/>
+              <a:rPr lang="fr-FR"/>
               <a:t>Cinquième niveau</a:t>
             </a:r>
-            <a:endParaRPr lang="fr-FR"/>
           </a:p>
         </p:txBody>
       </p:sp>
@@ -1329,7 +1333,7 @@
           <a:p>
             <a:fld id="{8AAD7852-40A3-40EF-BA39-58A959142D0F}" type="datetimeFigureOut">
               <a:rPr lang="fr-FR" smtClean="0"/>
-              <a:t>12/12/2014</a:t>
+              <a:t>10/09/2023</a:t>
             </a:fld>
             <a:endParaRPr lang="fr-FR"/>
           </a:p>
@@ -1427,10 +1431,9 @@
           </a:lstStyle>
           <a:p>
             <a:r>
-              <a:rPr lang="fr-FR" smtClean="0"/>
+              <a:rPr lang="fr-FR"/>
               <a:t>Cliquez pour modifier le style du titre</a:t>
             </a:r>
-            <a:endParaRPr lang="fr-FR"/>
           </a:p>
         </p:txBody>
       </p:sp>
@@ -1493,7 +1496,7 @@
           <a:p>
             <a:pPr lvl="0"/>
             <a:r>
-              <a:rPr lang="fr-FR" smtClean="0"/>
+              <a:rPr lang="fr-FR"/>
               <a:t>Cliquez pour modifier les styles du texte du masque</a:t>
             </a:r>
           </a:p>
@@ -1549,38 +1552,37 @@
           <a:p>
             <a:pPr lvl="0"/>
             <a:r>
-              <a:rPr lang="fr-FR" smtClean="0"/>
+              <a:rPr lang="fr-FR"/>
               <a:t>Cliquez pour modifier les styles du texte du masque</a:t>
             </a:r>
           </a:p>
           <a:p>
             <a:pPr lvl="1"/>
             <a:r>
-              <a:rPr lang="fr-FR" smtClean="0"/>
+              <a:rPr lang="fr-FR"/>
               <a:t>Deuxième niveau</a:t>
             </a:r>
           </a:p>
           <a:p>
             <a:pPr lvl="2"/>
             <a:r>
-              <a:rPr lang="fr-FR" smtClean="0"/>
+              <a:rPr lang="fr-FR"/>
               <a:t>Troisième niveau</a:t>
             </a:r>
           </a:p>
           <a:p>
             <a:pPr lvl="3"/>
             <a:r>
-              <a:rPr lang="fr-FR" smtClean="0"/>
+              <a:rPr lang="fr-FR"/>
               <a:t>Quatrième niveau</a:t>
             </a:r>
           </a:p>
           <a:p>
             <a:pPr lvl="4"/>
             <a:r>
-              <a:rPr lang="fr-FR" smtClean="0"/>
+              <a:rPr lang="fr-FR"/>
               <a:t>Cinquième niveau</a:t>
             </a:r>
-            <a:endParaRPr lang="fr-FR"/>
           </a:p>
         </p:txBody>
       </p:sp>
@@ -1643,7 +1645,7 @@
           <a:p>
             <a:pPr lvl="0"/>
             <a:r>
-              <a:rPr lang="fr-FR" smtClean="0"/>
+              <a:rPr lang="fr-FR"/>
               <a:t>Cliquez pour modifier les styles du texte du masque</a:t>
             </a:r>
           </a:p>
@@ -1699,38 +1701,37 @@
           <a:p>
             <a:pPr lvl="0"/>
             <a:r>
-              <a:rPr lang="fr-FR" smtClean="0"/>
+              <a:rPr lang="fr-FR"/>
               <a:t>Cliquez pour modifier les styles du texte du masque</a:t>
             </a:r>
           </a:p>
           <a:p>
             <a:pPr lvl="1"/>
             <a:r>
-              <a:rPr lang="fr-FR" smtClean="0"/>
+              <a:rPr lang="fr-FR"/>
               <a:t>Deuxième niveau</a:t>
             </a:r>
           </a:p>
           <a:p>
             <a:pPr lvl="2"/>
             <a:r>
-              <a:rPr lang="fr-FR" smtClean="0"/>
+              <a:rPr lang="fr-FR"/>
               <a:t>Troisième niveau</a:t>
             </a:r>
           </a:p>
           <a:p>
             <a:pPr lvl="3"/>
             <a:r>
-              <a:rPr lang="fr-FR" smtClean="0"/>
+              <a:rPr lang="fr-FR"/>
               <a:t>Quatrième niveau</a:t>
             </a:r>
           </a:p>
           <a:p>
             <a:pPr lvl="4"/>
             <a:r>
-              <a:rPr lang="fr-FR" smtClean="0"/>
+              <a:rPr lang="fr-FR"/>
               <a:t>Cinquième niveau</a:t>
             </a:r>
-            <a:endParaRPr lang="fr-FR"/>
           </a:p>
         </p:txBody>
       </p:sp>
@@ -1751,7 +1752,7 @@
           <a:p>
             <a:fld id="{8AAD7852-40A3-40EF-BA39-58A959142D0F}" type="datetimeFigureOut">
               <a:rPr lang="fr-FR" smtClean="0"/>
-              <a:t>12/12/2014</a:t>
+              <a:t>10/09/2023</a:t>
             </a:fld>
             <a:endParaRPr lang="fr-FR"/>
           </a:p>
@@ -1840,10 +1841,9 @@
           <a:lstStyle/>
           <a:p>
             <a:r>
-              <a:rPr lang="fr-FR" smtClean="0"/>
+              <a:rPr lang="fr-FR"/>
               <a:t>Cliquez pour modifier le style du titre</a:t>
             </a:r>
-            <a:endParaRPr lang="fr-FR"/>
           </a:p>
         </p:txBody>
       </p:sp>
@@ -1864,7 +1864,7 @@
           <a:p>
             <a:fld id="{8AAD7852-40A3-40EF-BA39-58A959142D0F}" type="datetimeFigureOut">
               <a:rPr lang="fr-FR" smtClean="0"/>
-              <a:t>12/12/2014</a:t>
+              <a:t>10/09/2023</a:t>
             </a:fld>
             <a:endParaRPr lang="fr-FR"/>
           </a:p>
@@ -1954,7 +1954,7 @@
           <a:p>
             <a:fld id="{8AAD7852-40A3-40EF-BA39-58A959142D0F}" type="datetimeFigureOut">
               <a:rPr lang="fr-FR" smtClean="0"/>
-              <a:t>12/12/2014</a:t>
+              <a:t>10/09/2023</a:t>
             </a:fld>
             <a:endParaRPr lang="fr-FR"/>
           </a:p>
@@ -2052,10 +2052,9 @@
           </a:lstStyle>
           <a:p>
             <a:r>
-              <a:rPr lang="fr-FR" smtClean="0"/>
+              <a:rPr lang="fr-FR"/>
               <a:t>Cliquez pour modifier le style du titre</a:t>
             </a:r>
-            <a:endParaRPr lang="fr-FR"/>
           </a:p>
         </p:txBody>
       </p:sp>
@@ -2109,38 +2108,37 @@
           <a:p>
             <a:pPr lvl="0"/>
             <a:r>
-              <a:rPr lang="fr-FR" smtClean="0"/>
+              <a:rPr lang="fr-FR"/>
               <a:t>Cliquez pour modifier les styles du texte du masque</a:t>
             </a:r>
           </a:p>
           <a:p>
             <a:pPr lvl="1"/>
             <a:r>
-              <a:rPr lang="fr-FR" smtClean="0"/>
+              <a:rPr lang="fr-FR"/>
               <a:t>Deuxième niveau</a:t>
             </a:r>
           </a:p>
           <a:p>
             <a:pPr lvl="2"/>
             <a:r>
-              <a:rPr lang="fr-FR" smtClean="0"/>
+              <a:rPr lang="fr-FR"/>
               <a:t>Troisième niveau</a:t>
             </a:r>
           </a:p>
           <a:p>
             <a:pPr lvl="3"/>
             <a:r>
-              <a:rPr lang="fr-FR" smtClean="0"/>
+              <a:rPr lang="fr-FR"/>
               <a:t>Quatrième niveau</a:t>
             </a:r>
           </a:p>
           <a:p>
             <a:pPr lvl="4"/>
             <a:r>
-              <a:rPr lang="fr-FR" smtClean="0"/>
+              <a:rPr lang="fr-FR"/>
               <a:t>Cinquième niveau</a:t>
             </a:r>
-            <a:endParaRPr lang="fr-FR"/>
           </a:p>
         </p:txBody>
       </p:sp>
@@ -2203,7 +2201,7 @@
           <a:p>
             <a:pPr lvl="0"/>
             <a:r>
-              <a:rPr lang="fr-FR" smtClean="0"/>
+              <a:rPr lang="fr-FR"/>
               <a:t>Cliquez pour modifier les styles du texte du masque</a:t>
             </a:r>
           </a:p>
@@ -2226,7 +2224,7 @@
           <a:p>
             <a:fld id="{8AAD7852-40A3-40EF-BA39-58A959142D0F}" type="datetimeFigureOut">
               <a:rPr lang="fr-FR" smtClean="0"/>
-              <a:t>12/12/2014</a:t>
+              <a:t>10/09/2023</a:t>
             </a:fld>
             <a:endParaRPr lang="fr-FR"/>
           </a:p>
@@ -2324,10 +2322,9 @@
           </a:lstStyle>
           <a:p>
             <a:r>
-              <a:rPr lang="fr-FR" smtClean="0"/>
+              <a:rPr lang="fr-FR"/>
               <a:t>Cliquez pour modifier le style du titre</a:t>
             </a:r>
-            <a:endParaRPr lang="fr-FR"/>
           </a:p>
         </p:txBody>
       </p:sp>
@@ -2451,7 +2448,7 @@
           <a:p>
             <a:pPr lvl="0"/>
             <a:r>
-              <a:rPr lang="fr-FR" smtClean="0"/>
+              <a:rPr lang="fr-FR"/>
               <a:t>Cliquez pour modifier les styles du texte du masque</a:t>
             </a:r>
           </a:p>
@@ -2474,7 +2471,7 @@
           <a:p>
             <a:fld id="{8AAD7852-40A3-40EF-BA39-58A959142D0F}" type="datetimeFigureOut">
               <a:rPr lang="fr-FR" smtClean="0"/>
-              <a:t>12/12/2014</a:t>
+              <a:t>10/09/2023</a:t>
             </a:fld>
             <a:endParaRPr lang="fr-FR"/>
           </a:p>
@@ -2578,10 +2575,9 @@
           <a:lstStyle/>
           <a:p>
             <a:r>
-              <a:rPr lang="fr-FR" smtClean="0"/>
+              <a:rPr lang="fr-FR"/>
               <a:t>Cliquez pour modifier le style du titre</a:t>
             </a:r>
-            <a:endParaRPr lang="fr-FR"/>
           </a:p>
         </p:txBody>
       </p:sp>
@@ -2612,38 +2608,37 @@
           <a:p>
             <a:pPr lvl="0"/>
             <a:r>
-              <a:rPr lang="fr-FR" smtClean="0"/>
+              <a:rPr lang="fr-FR"/>
               <a:t>Cliquez pour modifier les styles du texte du masque</a:t>
             </a:r>
           </a:p>
           <a:p>
             <a:pPr lvl="1"/>
             <a:r>
-              <a:rPr lang="fr-FR" smtClean="0"/>
+              <a:rPr lang="fr-FR"/>
               <a:t>Deuxième niveau</a:t>
             </a:r>
           </a:p>
           <a:p>
             <a:pPr lvl="2"/>
             <a:r>
-              <a:rPr lang="fr-FR" smtClean="0"/>
+              <a:rPr lang="fr-FR"/>
               <a:t>Troisième niveau</a:t>
             </a:r>
           </a:p>
           <a:p>
             <a:pPr lvl="3"/>
             <a:r>
-              <a:rPr lang="fr-FR" smtClean="0"/>
+              <a:rPr lang="fr-FR"/>
               <a:t>Quatrième niveau</a:t>
             </a:r>
           </a:p>
           <a:p>
             <a:pPr lvl="4"/>
             <a:r>
-              <a:rPr lang="fr-FR" smtClean="0"/>
+              <a:rPr lang="fr-FR"/>
               <a:t>Cinquième niveau</a:t>
             </a:r>
-            <a:endParaRPr lang="fr-FR"/>
           </a:p>
         </p:txBody>
       </p:sp>
@@ -2682,7 +2677,7 @@
           <a:p>
             <a:fld id="{8AAD7852-40A3-40EF-BA39-58A959142D0F}" type="datetimeFigureOut">
               <a:rPr lang="fr-FR" smtClean="0"/>
-              <a:t>12/12/2014</a:t>
+              <a:t>10/09/2023</a:t>
             </a:fld>
             <a:endParaRPr lang="fr-FR"/>
           </a:p>
@@ -3075,10 +3070,9 @@
           <a:lstStyle/>
           <a:p>
             <a:r>
-              <a:rPr lang="fr-FR" sz="28700" b="1" dirty="0" smtClean="0"/>
+              <a:rPr lang="fr-FR" sz="28700" b="1" dirty="0"/>
               <a:t>351</a:t>
             </a:r>
-            <a:endParaRPr lang="fr-FR" sz="28700" b="1" dirty="0"/>
           </a:p>
         </p:txBody>
       </p:sp>
@@ -3090,13 +3084,6 @@
   <p:transition>
     <p:fade/>
   </p:transition>
-  <p:timing>
-    <p:tnLst>
-      <p:par>
-        <p:cTn id="1" dur="indefinite" restart="never" nodeType="tmRoot"/>
-      </p:par>
-    </p:tnLst>
-  </p:timing>
 </p:sld>
 </file>
 
@@ -3141,115 +3128,99 @@
           <a:p>
             <a:r>
               <a:rPr lang="en-GB" sz="6600" b="1" dirty="0"/>
-              <a:t>3</a:t>
-            </a:r>
-            <a:r>
-              <a:rPr lang="en-GB" sz="6600" b="1" dirty="0" smtClean="0"/>
-              <a:t> O ! </a:t>
-            </a:r>
-            <a:r>
-              <a:rPr lang="en-GB" sz="6600" b="1" dirty="0" err="1" smtClean="0"/>
+              <a:t>3 O ! </a:t>
+            </a:r>
+            <a:r>
+              <a:rPr lang="en-GB" sz="6600" b="1" dirty="0" err="1"/>
               <a:t>Ry</a:t>
             </a:r>
             <a:r>
-              <a:rPr lang="en-GB" sz="6600" b="1" dirty="0" smtClean="0"/>
-              <a:t> </a:t>
-            </a:r>
-            <a:r>
-              <a:rPr lang="en-GB" sz="6600" b="1" dirty="0" err="1" smtClean="0"/>
+              <a:rPr lang="en-GB" sz="6600" b="1" dirty="0"/>
+              <a:t> </a:t>
+            </a:r>
+            <a:r>
+              <a:rPr lang="en-GB" sz="6600" b="1" dirty="0" err="1"/>
               <a:t>mpiambina</a:t>
             </a:r>
             <a:r>
-              <a:rPr lang="en-GB" sz="6600" b="1" dirty="0" smtClean="0"/>
-              <a:t> </a:t>
-            </a:r>
-            <a:r>
-              <a:rPr lang="en-GB" sz="6600" b="1" dirty="0" err="1" smtClean="0"/>
+              <a:rPr lang="en-GB" sz="6600" b="1" dirty="0"/>
+              <a:t> </a:t>
+            </a:r>
+            <a:r>
+              <a:rPr lang="en-GB" sz="6600" b="1" dirty="0" err="1"/>
               <a:t>tinendry</a:t>
             </a:r>
-            <a:r>
-              <a:rPr lang="fr-FR" sz="6600" b="1" dirty="0" smtClean="0"/>
-              <a:t/>
-            </a:r>
             <a:br>
-              <a:rPr lang="fr-FR" sz="6600" b="1" dirty="0" smtClean="0"/>
+              <a:rPr lang="fr-FR" sz="6600" b="1" dirty="0"/>
             </a:br>
             <a:r>
-              <a:rPr lang="en-GB" sz="6600" b="1" dirty="0" err="1" smtClean="0"/>
+              <a:rPr lang="en-GB" sz="6600" b="1" dirty="0" err="1"/>
               <a:t>Eo</a:t>
             </a:r>
             <a:r>
-              <a:rPr lang="en-GB" sz="6600" b="1" dirty="0" smtClean="0"/>
-              <a:t> </a:t>
-            </a:r>
-            <a:r>
-              <a:rPr lang="en-GB" sz="6600" b="1" dirty="0" err="1" smtClean="0"/>
+              <a:rPr lang="en-GB" sz="6600" b="1" dirty="0"/>
+              <a:t> </a:t>
+            </a:r>
+            <a:r>
+              <a:rPr lang="en-GB" sz="6600" b="1" dirty="0" err="1"/>
               <a:t>ambony</a:t>
             </a:r>
             <a:r>
-              <a:rPr lang="en-GB" sz="6600" b="1" dirty="0" smtClean="0"/>
-              <a:t> </a:t>
-            </a:r>
-            <a:r>
-              <a:rPr lang="en-GB" sz="6600" b="1" dirty="0" err="1" smtClean="0"/>
+              <a:rPr lang="en-GB" sz="6600" b="1" dirty="0"/>
+              <a:t> </a:t>
+            </a:r>
+            <a:r>
+              <a:rPr lang="en-GB" sz="6600" b="1" dirty="0" err="1"/>
               <a:t>manda</a:t>
             </a:r>
             <a:r>
-              <a:rPr lang="en-GB" sz="6600" b="1" dirty="0" smtClean="0"/>
+              <a:rPr lang="en-GB" sz="6600" b="1" dirty="0"/>
               <a:t>,</a:t>
             </a:r>
-            <a:r>
-              <a:rPr lang="fr-FR" sz="6600" b="1" dirty="0" smtClean="0"/>
-              <a:t/>
-            </a:r>
             <a:br>
-              <a:rPr lang="fr-FR" sz="6600" b="1" dirty="0" smtClean="0"/>
+              <a:rPr lang="fr-FR" sz="6600" b="1" dirty="0"/>
             </a:br>
             <a:r>
-              <a:rPr lang="en-GB" sz="6600" b="1" dirty="0" err="1" smtClean="0"/>
+              <a:rPr lang="en-GB" sz="6600" b="1" dirty="0" err="1"/>
               <a:t>Az</a:t>
             </a:r>
             <a:r>
-              <a:rPr lang="en-GB" sz="6600" b="1" i="1" dirty="0" err="1" smtClean="0"/>
+              <a:rPr lang="en-GB" sz="6600" b="1" i="1" dirty="0" err="1"/>
               <a:t>a</a:t>
             </a:r>
             <a:r>
-              <a:rPr lang="en-GB" sz="6600" b="1" dirty="0" smtClean="0"/>
+              <a:rPr lang="en-GB" sz="6600" b="1" dirty="0"/>
               <a:t>  </a:t>
             </a:r>
             <a:r>
-              <a:rPr lang="en-GB" sz="6600" b="1" dirty="0" err="1" smtClean="0"/>
+              <a:rPr lang="en-GB" sz="6600" b="1" dirty="0" err="1"/>
               <a:t>avelanao</a:t>
             </a:r>
             <a:r>
-              <a:rPr lang="en-GB" sz="6600" b="1" dirty="0" smtClean="0"/>
-              <a:t> </a:t>
-            </a:r>
-            <a:r>
-              <a:rPr lang="en-GB" sz="6600" b="1" dirty="0" err="1" smtClean="0"/>
+              <a:rPr lang="en-GB" sz="6600" b="1" dirty="0"/>
+              <a:t> </a:t>
+            </a:r>
+            <a:r>
+              <a:rPr lang="en-GB" sz="6600" b="1" dirty="0" err="1"/>
               <a:t>hangina</a:t>
             </a:r>
             <a:r>
-              <a:rPr lang="en-GB" sz="6600" b="1" dirty="0" smtClean="0"/>
+              <a:rPr lang="en-GB" sz="6600" b="1" dirty="0"/>
               <a:t> re</a:t>
             </a:r>
-            <a:r>
-              <a:rPr lang="fr-FR" sz="6600" b="1" dirty="0" smtClean="0"/>
-              <a:t/>
-            </a:r>
             <a:br>
-              <a:rPr lang="fr-FR" sz="6600" b="1" dirty="0" smtClean="0"/>
+              <a:rPr lang="fr-FR" sz="6600" b="1" dirty="0"/>
             </a:br>
             <a:r>
-              <a:rPr lang="en-GB" sz="6600" b="1" dirty="0" err="1" smtClean="0"/>
+              <a:rPr lang="en-GB" sz="6600" b="1" dirty="0" err="1"/>
               <a:t>ny</a:t>
             </a:r>
             <a:r>
-              <a:rPr lang="en-GB" sz="6600" b="1" dirty="0" smtClean="0"/>
-              <a:t> </a:t>
-            </a:r>
-            <a:r>
-              <a:rPr lang="en-GB" sz="6600" b="1" dirty="0" err="1" smtClean="0"/>
+              <a:rPr lang="en-GB" sz="6600" b="1" dirty="0"/>
+              <a:t> </a:t>
+            </a:r>
+            <a:r>
+              <a:rPr lang="en-GB" sz="6600" b="1" dirty="0" err="1"/>
               <a:t>feonao</a:t>
             </a:r>
             <a:endParaRPr lang="fr-FR" sz="6600" b="1" dirty="0"/>
@@ -3264,13 +3235,6 @@
   <p:transition>
     <p:fade/>
   </p:transition>
-  <p:timing>
-    <p:tnLst>
-      <p:par>
-        <p:cTn id="1" dur="indefinite" restart="never" nodeType="tmRoot"/>
-      </p:par>
-    </p:tnLst>
-  </p:timing>
 </p:sld>
 </file>
 
@@ -3314,117 +3278,105 @@
           <a:lstStyle/>
           <a:p>
             <a:r>
-              <a:rPr lang="en-GB" sz="7200" b="1" dirty="0" smtClean="0"/>
+              <a:rPr lang="en-GB" sz="7200" b="1" dirty="0"/>
               <a:t>Ka </a:t>
             </a:r>
             <a:r>
-              <a:rPr lang="en-GB" sz="7200" b="1" dirty="0" err="1" smtClean="0"/>
+              <a:rPr lang="en-GB" sz="7200" b="1" dirty="0" err="1"/>
               <a:t>hijoro</a:t>
             </a:r>
             <a:r>
-              <a:rPr lang="en-GB" sz="7200" b="1" dirty="0" smtClean="0"/>
-              <a:t> </a:t>
-            </a:r>
-            <a:r>
-              <a:rPr lang="en-GB" sz="7200" b="1" dirty="0" err="1" smtClean="0"/>
+              <a:rPr lang="en-GB" sz="7200" b="1" dirty="0"/>
+              <a:t> </a:t>
+            </a:r>
+            <a:r>
+              <a:rPr lang="en-GB" sz="7200" b="1" dirty="0" err="1"/>
               <a:t>izao</a:t>
             </a:r>
             <a:r>
-              <a:rPr lang="en-GB" sz="7200" b="1" dirty="0" smtClean="0"/>
-              <a:t> </a:t>
-            </a:r>
-            <a:r>
-              <a:rPr lang="en-GB" sz="7200" b="1" dirty="0" err="1" smtClean="0"/>
+              <a:rPr lang="en-GB" sz="7200" b="1" dirty="0"/>
+              <a:t> </a:t>
+            </a:r>
+            <a:r>
+              <a:rPr lang="en-GB" sz="7200" b="1" dirty="0" err="1"/>
               <a:t>ny</a:t>
             </a:r>
             <a:r>
-              <a:rPr lang="en-GB" sz="7200" b="1" dirty="0" smtClean="0"/>
-              <a:t> </a:t>
-            </a:r>
-            <a:r>
-              <a:rPr lang="en-GB" sz="7200" b="1" dirty="0" err="1" smtClean="0"/>
+              <a:rPr lang="en-GB" sz="7200" b="1" dirty="0"/>
+              <a:t> </a:t>
+            </a:r>
+            <a:r>
+              <a:rPr lang="en-GB" sz="7200" b="1" dirty="0" err="1"/>
               <a:t>mino</a:t>
             </a:r>
             <a:r>
-              <a:rPr lang="en-GB" sz="7200" b="1" dirty="0" smtClean="0"/>
+              <a:rPr lang="en-GB" sz="7200" b="1" dirty="0"/>
               <a:t>,</a:t>
             </a:r>
-            <a:r>
-              <a:rPr lang="fr-FR" sz="7200" b="1" dirty="0" smtClean="0"/>
-              <a:t/>
-            </a:r>
             <a:br>
-              <a:rPr lang="fr-FR" sz="7200" b="1" dirty="0" smtClean="0"/>
+              <a:rPr lang="fr-FR" sz="7200" b="1" dirty="0"/>
             </a:br>
             <a:r>
-              <a:rPr lang="en-GB" sz="7200" b="1" dirty="0" err="1" smtClean="0"/>
+              <a:rPr lang="en-GB" sz="7200" b="1" dirty="0" err="1"/>
               <a:t>fa</a:t>
             </a:r>
             <a:r>
-              <a:rPr lang="en-GB" sz="7200" b="1" dirty="0" smtClean="0"/>
-              <a:t> </a:t>
-            </a:r>
-            <a:r>
-              <a:rPr lang="en-GB" sz="7200" b="1" dirty="0" err="1" smtClean="0"/>
+              <a:rPr lang="en-GB" sz="7200" b="1" dirty="0"/>
+              <a:t> </a:t>
+            </a:r>
+            <a:r>
+              <a:rPr lang="en-GB" sz="7200" b="1" dirty="0" err="1"/>
               <a:t>tsy</a:t>
             </a:r>
             <a:r>
-              <a:rPr lang="en-GB" sz="7200" b="1" dirty="0" smtClean="0"/>
-              <a:t> </a:t>
-            </a:r>
-            <a:r>
-              <a:rPr lang="en-GB" sz="7200" b="1" dirty="0" err="1" smtClean="0"/>
+              <a:rPr lang="en-GB" sz="7200" b="1" dirty="0"/>
+              <a:t> </a:t>
+            </a:r>
+            <a:r>
+              <a:rPr lang="en-GB" sz="7200" b="1" dirty="0" err="1"/>
               <a:t>hisy</a:t>
             </a:r>
             <a:r>
-              <a:rPr lang="en-GB" sz="7200" b="1" dirty="0" smtClean="0"/>
-              <a:t> </a:t>
-            </a:r>
-            <a:r>
-              <a:rPr lang="en-GB" sz="7200" b="1" dirty="0" err="1" smtClean="0"/>
+              <a:rPr lang="en-GB" sz="7200" b="1" dirty="0"/>
+              <a:t> </a:t>
+            </a:r>
+            <a:r>
+              <a:rPr lang="en-GB" sz="7200" b="1" dirty="0" err="1"/>
               <a:t>banga</a:t>
             </a:r>
-            <a:r>
-              <a:rPr lang="fr-FR" sz="7200" b="1" dirty="0" smtClean="0"/>
-              <a:t/>
-            </a:r>
             <a:br>
-              <a:rPr lang="fr-FR" sz="7200" b="1" dirty="0" smtClean="0"/>
+              <a:rPr lang="fr-FR" sz="7200" b="1" dirty="0"/>
             </a:br>
             <a:r>
-              <a:rPr lang="en-GB" sz="7200" b="1" dirty="0" err="1" smtClean="0"/>
+              <a:rPr lang="en-GB" sz="7200" b="1" dirty="0" err="1"/>
               <a:t>Eo</a:t>
             </a:r>
             <a:r>
-              <a:rPr lang="en-GB" sz="7200" b="1" dirty="0" smtClean="0"/>
-              <a:t> </a:t>
-            </a:r>
-            <a:r>
-              <a:rPr lang="en-GB" sz="7200" b="1" dirty="0" smtClean="0"/>
-              <a:t>an-</a:t>
-            </a:r>
-            <a:r>
-              <a:rPr lang="en-GB" sz="7200" b="1" dirty="0" err="1" smtClean="0"/>
+              <a:rPr lang="en-GB" sz="7200" b="1" dirty="0"/>
+              <a:t> an-</a:t>
+            </a:r>
+            <a:r>
+              <a:rPr lang="en-GB" sz="7200" b="1" dirty="0" err="1"/>
               <a:t>tobin’i</a:t>
             </a:r>
             <a:r>
-              <a:rPr lang="en-GB" sz="7200" b="1" dirty="0" smtClean="0"/>
-              <a:t> </a:t>
-            </a:r>
-            <a:r>
-              <a:rPr lang="en-GB" sz="7200" b="1" dirty="0" err="1" smtClean="0"/>
+              <a:rPr lang="en-GB" sz="7200" b="1" dirty="0"/>
+              <a:t> </a:t>
+            </a:r>
+            <a:r>
+              <a:rPr lang="en-GB" sz="7200" b="1" dirty="0" err="1"/>
               <a:t>Jeso</a:t>
             </a:r>
             <a:r>
-              <a:rPr lang="en-GB" sz="7200" b="1" dirty="0" smtClean="0"/>
-              <a:t> </a:t>
-            </a:r>
-            <a:r>
-              <a:rPr lang="en-GB" sz="7200" b="1" dirty="0" err="1" smtClean="0"/>
+              <a:rPr lang="en-GB" sz="7200" b="1" dirty="0"/>
+              <a:t> </a:t>
+            </a:r>
+            <a:r>
+              <a:rPr lang="en-GB" sz="7200" b="1" dirty="0" err="1"/>
               <a:t>Tomponao</a:t>
             </a:r>
             <a:r>
-              <a:rPr lang="en-GB" sz="7200" b="1" dirty="0" smtClean="0"/>
+              <a:rPr lang="en-GB" sz="7200" b="1" dirty="0"/>
               <a:t>.</a:t>
             </a:r>
             <a:endParaRPr lang="fr-FR" sz="7200" b="1" dirty="0"/>
@@ -3439,13 +3391,6 @@
   <p:transition>
     <p:fade/>
   </p:transition>
-  <p:timing>
-    <p:tnLst>
-      <p:par>
-        <p:cTn id="1" dur="indefinite" restart="never" nodeType="tmRoot"/>
-      </p:par>
-    </p:tnLst>
-  </p:timing>
 </p:sld>
 </file>
 
@@ -3489,227 +3434,99 @@
           <a:lstStyle/>
           <a:p>
             <a:r>
-              <a:rPr lang="en-GB" sz="6600" b="1" dirty="0" smtClean="0"/>
-              <a:t> </a:t>
-            </a:r>
-            <a:r>
-              <a:rPr lang="en-GB" sz="6600" b="1" dirty="0" err="1" smtClean="0">
-                <a:solidFill>
-                  <a:srgbClr val="FF0000"/>
-                </a:solidFill>
-              </a:rPr>
+              <a:rPr lang="en-GB" sz="6600" b="1" dirty="0"/>
+              <a:t> </a:t>
+            </a:r>
+            <a:r>
+              <a:rPr lang="en-GB" sz="6600" b="1" dirty="0" err="1"/>
               <a:t>Mivoaha</a:t>
             </a:r>
             <a:r>
-              <a:rPr lang="en-GB" sz="6600" b="1" dirty="0" smtClean="0">
-                <a:solidFill>
-                  <a:srgbClr val="FF0000"/>
-                </a:solidFill>
-              </a:rPr>
+              <a:rPr lang="en-GB" sz="6600" b="1" dirty="0"/>
               <a:t>, </a:t>
             </a:r>
             <a:r>
-              <a:rPr lang="en-GB" sz="6600" b="1" dirty="0" err="1" smtClean="0">
-                <a:solidFill>
-                  <a:srgbClr val="FF0000"/>
-                </a:solidFill>
-              </a:rPr>
+              <a:rPr lang="en-GB" sz="6600" b="1" dirty="0" err="1"/>
               <a:t>asandrato</a:t>
             </a:r>
             <a:r>
-              <a:rPr lang="en-GB" sz="6600" b="1" dirty="0" smtClean="0">
-                <a:solidFill>
-                  <a:srgbClr val="FF0000"/>
-                </a:solidFill>
-              </a:rPr>
-              <a:t> </a:t>
-            </a:r>
-            <a:r>
-              <a:rPr lang="en-GB" sz="6600" b="1" dirty="0" err="1" smtClean="0">
-                <a:solidFill>
-                  <a:srgbClr val="FF0000"/>
-                </a:solidFill>
-              </a:rPr>
+              <a:rPr lang="en-GB" sz="6600" b="1" dirty="0"/>
+              <a:t> </a:t>
+            </a:r>
+            <a:r>
+              <a:rPr lang="en-GB" sz="6600" b="1" dirty="0" err="1"/>
               <a:t>ny</a:t>
             </a:r>
-            <a:r>
-              <a:rPr lang="fr-FR" sz="6600" b="1" dirty="0" smtClean="0">
-                <a:solidFill>
-                  <a:srgbClr val="FF0000"/>
-                </a:solidFill>
-              </a:rPr>
-              <a:t/>
-            </a:r>
             <a:br>
-              <a:rPr lang="fr-FR" sz="6600" b="1" dirty="0" smtClean="0">
-                <a:solidFill>
-                  <a:srgbClr val="FF0000"/>
-                </a:solidFill>
-              </a:rPr>
+              <a:rPr lang="fr-FR" sz="6600" b="1" dirty="0"/>
             </a:br>
             <a:r>
-              <a:rPr lang="en-GB" sz="6600" b="1" dirty="0" err="1" smtClean="0">
-                <a:solidFill>
-                  <a:srgbClr val="FF0000"/>
-                </a:solidFill>
-              </a:rPr>
+              <a:rPr lang="en-GB" sz="6600" b="1" dirty="0" err="1"/>
               <a:t>faneva</a:t>
             </a:r>
             <a:r>
-              <a:rPr lang="en-GB" sz="6600" b="1" dirty="0" smtClean="0">
-                <a:solidFill>
-                  <a:srgbClr val="FF0000"/>
-                </a:solidFill>
-              </a:rPr>
-              <a:t> </a:t>
-            </a:r>
-            <a:r>
-              <a:rPr lang="en-GB" sz="6600" b="1" dirty="0" err="1" smtClean="0">
-                <a:solidFill>
-                  <a:srgbClr val="FF0000"/>
-                </a:solidFill>
-              </a:rPr>
+              <a:rPr lang="en-GB" sz="6600" b="1" dirty="0"/>
+              <a:t> </a:t>
+            </a:r>
+            <a:r>
+              <a:rPr lang="en-GB" sz="6600" b="1" dirty="0" err="1"/>
               <a:t>soanareo</a:t>
             </a:r>
             <a:r>
-              <a:rPr lang="en-GB" sz="6600" b="1" dirty="0" smtClean="0">
-                <a:solidFill>
-                  <a:srgbClr val="FF0000"/>
-                </a:solidFill>
-              </a:rPr>
+              <a:rPr lang="en-GB" sz="6600" b="1" dirty="0"/>
               <a:t> ;</a:t>
             </a:r>
-            <a:r>
-              <a:rPr lang="fr-FR" sz="6600" b="1" dirty="0" smtClean="0">
-                <a:solidFill>
-                  <a:srgbClr val="FF0000"/>
-                </a:solidFill>
-              </a:rPr>
-              <a:t/>
-            </a:r>
             <a:br>
-              <a:rPr lang="fr-FR" sz="6600" b="1" dirty="0" smtClean="0">
-                <a:solidFill>
-                  <a:srgbClr val="FF0000"/>
-                </a:solidFill>
-              </a:rPr>
+              <a:rPr lang="fr-FR" sz="6600" b="1" dirty="0"/>
             </a:br>
             <a:r>
-              <a:rPr lang="en-GB" sz="6600" b="1" dirty="0" err="1" smtClean="0">
-                <a:solidFill>
-                  <a:srgbClr val="FF0000"/>
-                </a:solidFill>
-              </a:rPr>
+              <a:rPr lang="en-GB" sz="6600" b="1" dirty="0" err="1"/>
               <a:t>Tsenao</a:t>
             </a:r>
             <a:r>
-              <a:rPr lang="en-GB" sz="6600" b="1" dirty="0" smtClean="0">
-                <a:solidFill>
-                  <a:srgbClr val="FF0000"/>
-                </a:solidFill>
-              </a:rPr>
-              <a:t> </a:t>
-            </a:r>
-            <a:r>
-              <a:rPr lang="en-GB" sz="6600" b="1" dirty="0" smtClean="0">
-                <a:solidFill>
-                  <a:srgbClr val="FF0000"/>
-                </a:solidFill>
-              </a:rPr>
-              <a:t>re </a:t>
-            </a:r>
-            <a:r>
-              <a:rPr lang="en-GB" sz="6600" b="1" dirty="0" err="1" smtClean="0">
-                <a:solidFill>
-                  <a:srgbClr val="FF0000"/>
-                </a:solidFill>
-              </a:rPr>
+              <a:rPr lang="en-GB" sz="6600" b="1" dirty="0"/>
+              <a:t> re </a:t>
+            </a:r>
+            <a:r>
+              <a:rPr lang="en-GB" sz="6600" b="1" dirty="0" err="1"/>
               <a:t>ny</a:t>
             </a:r>
             <a:r>
-              <a:rPr lang="en-GB" sz="6600" b="1" dirty="0" smtClean="0">
-                <a:solidFill>
-                  <a:srgbClr val="FF0000"/>
-                </a:solidFill>
-              </a:rPr>
-              <a:t> </a:t>
-            </a:r>
-            <a:r>
-              <a:rPr lang="en-GB" sz="6600" b="1" dirty="0" err="1" smtClean="0">
-                <a:solidFill>
-                  <a:srgbClr val="FF0000"/>
-                </a:solidFill>
-              </a:rPr>
+              <a:rPr lang="en-GB" sz="6600" b="1" dirty="0"/>
+              <a:t> </a:t>
+            </a:r>
+            <a:r>
+              <a:rPr lang="en-GB" sz="6600" b="1" dirty="0" err="1"/>
               <a:t>Mpanjaka</a:t>
             </a:r>
             <a:r>
-              <a:rPr lang="en-GB" sz="6600" b="1" dirty="0" smtClean="0">
-                <a:solidFill>
-                  <a:srgbClr val="FF0000"/>
-                </a:solidFill>
-              </a:rPr>
+              <a:rPr lang="en-GB" sz="6600" b="1" dirty="0"/>
               <a:t>,</a:t>
             </a:r>
-            <a:r>
-              <a:rPr lang="fr-FR" sz="6600" b="1" dirty="0" smtClean="0">
-                <a:solidFill>
-                  <a:srgbClr val="FF0000"/>
-                </a:solidFill>
-              </a:rPr>
-              <a:t/>
-            </a:r>
             <a:br>
-              <a:rPr lang="fr-FR" sz="6600" b="1" dirty="0" smtClean="0">
-                <a:solidFill>
-                  <a:srgbClr val="FF0000"/>
-                </a:solidFill>
-              </a:rPr>
+              <a:rPr lang="fr-FR" sz="6600" b="1" dirty="0"/>
             </a:br>
             <a:r>
-              <a:rPr lang="en-GB" sz="6600" b="1" dirty="0" err="1" smtClean="0">
-                <a:solidFill>
-                  <a:srgbClr val="FF0000"/>
-                </a:solidFill>
-              </a:rPr>
+              <a:rPr lang="en-GB" sz="6600" b="1" dirty="0" err="1"/>
               <a:t>fa</a:t>
             </a:r>
             <a:r>
-              <a:rPr lang="en-GB" sz="6600" b="1" dirty="0" smtClean="0">
-                <a:solidFill>
-                  <a:srgbClr val="FF0000"/>
-                </a:solidFill>
-              </a:rPr>
-              <a:t> </a:t>
-            </a:r>
-            <a:r>
-              <a:rPr lang="en-GB" sz="6600" b="1" dirty="0" err="1" smtClean="0">
-                <a:solidFill>
-                  <a:srgbClr val="FF0000"/>
-                </a:solidFill>
-              </a:rPr>
+              <a:rPr lang="en-GB" sz="6600" b="1" dirty="0"/>
+              <a:t> </a:t>
+            </a:r>
+            <a:r>
+              <a:rPr lang="en-GB" sz="6600" b="1" dirty="0" err="1"/>
               <a:t>avy</a:t>
             </a:r>
             <a:r>
-              <a:rPr lang="en-GB" sz="6600" b="1" dirty="0" smtClean="0">
-                <a:solidFill>
-                  <a:srgbClr val="FF0000"/>
-                </a:solidFill>
-              </a:rPr>
-              <a:t> </a:t>
-            </a:r>
-            <a:r>
-              <a:rPr lang="en-GB" sz="6600" b="1" dirty="0" err="1" smtClean="0">
-                <a:solidFill>
-                  <a:srgbClr val="FF0000"/>
-                </a:solidFill>
-              </a:rPr>
+              <a:rPr lang="en-GB" sz="6600" b="1" dirty="0"/>
+              <a:t> </a:t>
+            </a:r>
+            <a:r>
+              <a:rPr lang="en-GB" sz="6600" b="1" dirty="0" err="1"/>
               <a:t>aminao</a:t>
             </a:r>
-            <a:endParaRPr lang="fr-FR" sz="6600" b="1" dirty="0">
-              <a:solidFill>
-                <a:srgbClr val="FF0000"/>
-              </a:solidFill>
-            </a:endParaRPr>
+            <a:endParaRPr lang="fr-FR" sz="6600" b="1" dirty="0"/>
           </a:p>
         </p:txBody>
       </p:sp>
@@ -3726,13 +3543,6 @@
   <p:transition>
     <p:fade/>
   </p:transition>
-  <p:timing>
-    <p:tnLst>
-      <p:par>
-        <p:cTn id="1" dur="indefinite" restart="never" nodeType="tmRoot"/>
-      </p:par>
-    </p:tnLst>
-  </p:timing>
 </p:sld>
 </file>
 
@@ -3776,240 +3586,112 @@
           <a:lstStyle/>
           <a:p>
             <a:r>
-              <a:rPr lang="en-GB" sz="6600" b="1" dirty="0" smtClean="0">
-                <a:solidFill>
-                  <a:srgbClr val="FF0000"/>
-                </a:solidFill>
-              </a:rPr>
-              <a:t> </a:t>
-            </a:r>
-            <a:r>
-              <a:rPr lang="en-GB" sz="6600" b="1" dirty="0" err="1" smtClean="0">
-                <a:solidFill>
-                  <a:srgbClr val="FF0000"/>
-                </a:solidFill>
-              </a:rPr>
+              <a:rPr lang="en-GB" sz="6600" b="1" dirty="0"/>
+              <a:t> </a:t>
+            </a:r>
+            <a:r>
+              <a:rPr lang="en-GB" sz="6600" b="1" dirty="0" err="1"/>
               <a:t>Ny</a:t>
             </a:r>
             <a:r>
-              <a:rPr lang="en-GB" sz="6600" b="1" dirty="0" smtClean="0">
-                <a:solidFill>
-                  <a:srgbClr val="FF0000"/>
-                </a:solidFill>
-              </a:rPr>
-              <a:t> </a:t>
-            </a:r>
-            <a:r>
-              <a:rPr lang="en-GB" sz="6600" b="1" dirty="0" err="1" smtClean="0">
-                <a:solidFill>
-                  <a:srgbClr val="FF0000"/>
-                </a:solidFill>
-              </a:rPr>
+              <a:rPr lang="en-GB" sz="6600" b="1" dirty="0"/>
+              <a:t> </a:t>
+            </a:r>
+            <a:r>
+              <a:rPr lang="en-GB" sz="6600" b="1" dirty="0" err="1"/>
               <a:t>famonjeny</a:t>
             </a:r>
             <a:r>
-              <a:rPr lang="en-GB" sz="6600" b="1" dirty="0" smtClean="0">
-                <a:solidFill>
-                  <a:srgbClr val="FF0000"/>
-                </a:solidFill>
-              </a:rPr>
-              <a:t> </a:t>
-            </a:r>
-            <a:r>
-              <a:rPr lang="en-GB" sz="6600" b="1" dirty="0" err="1" smtClean="0">
-                <a:solidFill>
-                  <a:srgbClr val="FF0000"/>
-                </a:solidFill>
-              </a:rPr>
+              <a:rPr lang="en-GB" sz="6600" b="1" dirty="0"/>
+              <a:t> </a:t>
+            </a:r>
+            <a:r>
+              <a:rPr lang="en-GB" sz="6600" b="1" dirty="0" err="1"/>
               <a:t>sy</a:t>
             </a:r>
             <a:r>
-              <a:rPr lang="en-GB" sz="6600" b="1" dirty="0" smtClean="0">
-                <a:solidFill>
-                  <a:srgbClr val="FF0000"/>
-                </a:solidFill>
-              </a:rPr>
-              <a:t> </a:t>
-            </a:r>
-            <a:r>
-              <a:rPr lang="en-GB" sz="6600" b="1" dirty="0" err="1" smtClean="0">
-                <a:solidFill>
-                  <a:srgbClr val="FF0000"/>
-                </a:solidFill>
-              </a:rPr>
+              <a:rPr lang="en-GB" sz="6600" b="1" dirty="0"/>
+              <a:t> </a:t>
+            </a:r>
+            <a:r>
+              <a:rPr lang="en-GB" sz="6600" b="1" dirty="0" err="1"/>
               <a:t>ny</a:t>
             </a:r>
             <a:r>
-              <a:rPr lang="en-GB" sz="6600" b="1" dirty="0" smtClean="0">
-                <a:solidFill>
-                  <a:srgbClr val="FF0000"/>
-                </a:solidFill>
-              </a:rPr>
-              <a:t> </a:t>
-            </a:r>
-            <a:r>
-              <a:rPr lang="en-GB" sz="6600" b="1" dirty="0" err="1" smtClean="0">
-                <a:solidFill>
-                  <a:srgbClr val="FF0000"/>
-                </a:solidFill>
-              </a:rPr>
+              <a:rPr lang="en-GB" sz="6600" b="1" dirty="0"/>
+              <a:t> </a:t>
+            </a:r>
+            <a:r>
+              <a:rPr lang="en-GB" sz="6600" b="1" dirty="0" err="1"/>
               <a:t>lova</a:t>
             </a:r>
-            <a:r>
-              <a:rPr lang="fr-FR" sz="6600" b="1" dirty="0" smtClean="0">
-                <a:solidFill>
-                  <a:srgbClr val="FF0000"/>
-                </a:solidFill>
-              </a:rPr>
-              <a:t/>
-            </a:r>
             <a:br>
-              <a:rPr lang="fr-FR" sz="6600" b="1" dirty="0" smtClean="0">
-                <a:solidFill>
-                  <a:srgbClr val="FF0000"/>
-                </a:solidFill>
-              </a:rPr>
+              <a:rPr lang="fr-FR" sz="6600" b="1" dirty="0"/>
             </a:br>
             <a:r>
-              <a:rPr lang="en-GB" sz="6600" b="1" i="1" dirty="0" err="1" smtClean="0">
-                <a:solidFill>
-                  <a:srgbClr val="FF0000"/>
-                </a:solidFill>
-              </a:rPr>
+              <a:rPr lang="en-GB" sz="6600" b="1" i="1" dirty="0" err="1"/>
               <a:t>i</a:t>
             </a:r>
             <a:r>
-              <a:rPr lang="en-GB" sz="6600" b="1" dirty="0" err="1" smtClean="0">
-                <a:solidFill>
-                  <a:srgbClr val="FF0000"/>
-                </a:solidFill>
-              </a:rPr>
+              <a:rPr lang="en-GB" sz="6600" b="1" dirty="0" err="1"/>
               <a:t>zay</a:t>
             </a:r>
             <a:r>
-              <a:rPr lang="en-GB" sz="6600" b="1" dirty="0" smtClean="0">
-                <a:solidFill>
-                  <a:srgbClr val="FF0000"/>
-                </a:solidFill>
-              </a:rPr>
-              <a:t> </a:t>
-            </a:r>
-            <a:r>
-              <a:rPr lang="en-GB" sz="6600" b="1" dirty="0" err="1" smtClean="0">
-                <a:solidFill>
-                  <a:srgbClr val="FF0000"/>
-                </a:solidFill>
-              </a:rPr>
+              <a:rPr lang="en-GB" sz="6600" b="1" dirty="0"/>
+              <a:t> </a:t>
+            </a:r>
+            <a:r>
+              <a:rPr lang="en-GB" sz="6600" b="1" dirty="0" err="1"/>
               <a:t>atolony</a:t>
             </a:r>
             <a:r>
-              <a:rPr lang="en-GB" sz="6600" b="1" dirty="0" smtClean="0">
-                <a:solidFill>
-                  <a:srgbClr val="FF0000"/>
-                </a:solidFill>
-              </a:rPr>
-              <a:t> </a:t>
-            </a:r>
-            <a:r>
-              <a:rPr lang="en-GB" sz="6600" b="1" dirty="0" err="1" smtClean="0">
-                <a:solidFill>
-                  <a:srgbClr val="FF0000"/>
-                </a:solidFill>
-              </a:rPr>
+              <a:rPr lang="en-GB" sz="6600" b="1" dirty="0"/>
+              <a:t> </a:t>
+            </a:r>
+            <a:r>
+              <a:rPr lang="en-GB" sz="6600" b="1" dirty="0" err="1"/>
               <a:t>anao</a:t>
             </a:r>
-            <a:r>
-              <a:rPr lang="fr-FR" sz="6600" b="1" dirty="0" smtClean="0">
-                <a:solidFill>
-                  <a:srgbClr val="FF0000"/>
-                </a:solidFill>
-              </a:rPr>
-              <a:t/>
-            </a:r>
             <a:br>
-              <a:rPr lang="fr-FR" sz="6600" b="1" dirty="0" smtClean="0">
-                <a:solidFill>
-                  <a:srgbClr val="FF0000"/>
-                </a:solidFill>
-              </a:rPr>
+              <a:rPr lang="fr-FR" sz="6600" b="1" dirty="0"/>
             </a:br>
             <a:r>
-              <a:rPr lang="en-GB" sz="6600" b="1" dirty="0" err="1" smtClean="0">
-                <a:solidFill>
-                  <a:srgbClr val="FF0000"/>
-                </a:solidFill>
-              </a:rPr>
+              <a:rPr lang="en-GB" sz="6600" b="1" dirty="0" err="1"/>
               <a:t>Satria</a:t>
             </a:r>
             <a:r>
-              <a:rPr lang="en-GB" sz="6600" b="1" dirty="0" smtClean="0">
-                <a:solidFill>
-                  <a:srgbClr val="FF0000"/>
-                </a:solidFill>
-              </a:rPr>
-              <a:t> </a:t>
-            </a:r>
-            <a:r>
-              <a:rPr lang="en-GB" sz="6600" b="1" dirty="0" err="1" smtClean="0">
-                <a:solidFill>
-                  <a:srgbClr val="FF0000"/>
-                </a:solidFill>
-              </a:rPr>
+              <a:rPr lang="en-GB" sz="6600" b="1" dirty="0"/>
+              <a:t> </a:t>
+            </a:r>
+            <a:r>
+              <a:rPr lang="en-GB" sz="6600" b="1" dirty="0" err="1"/>
               <a:t>hianao</a:t>
             </a:r>
             <a:r>
-              <a:rPr lang="en-GB" sz="6600" b="1" dirty="0" smtClean="0">
-                <a:solidFill>
-                  <a:srgbClr val="FF0000"/>
-                </a:solidFill>
-              </a:rPr>
-              <a:t> </a:t>
-            </a:r>
-            <a:r>
-              <a:rPr lang="en-GB" sz="6600" b="1" dirty="0" err="1" smtClean="0">
-                <a:solidFill>
-                  <a:srgbClr val="FF0000"/>
-                </a:solidFill>
-              </a:rPr>
+              <a:rPr lang="en-GB" sz="6600" b="1" dirty="0"/>
+              <a:t> </a:t>
+            </a:r>
+            <a:r>
+              <a:rPr lang="en-GB" sz="6600" b="1" dirty="0" err="1"/>
               <a:t>dia</a:t>
             </a:r>
             <a:r>
-              <a:rPr lang="en-GB" sz="6600" b="1" dirty="0" smtClean="0">
-                <a:solidFill>
-                  <a:srgbClr val="FF0000"/>
-                </a:solidFill>
-              </a:rPr>
-              <a:t> </a:t>
-            </a:r>
-            <a:r>
-              <a:rPr lang="en-GB" sz="6600" b="1" dirty="0" err="1" smtClean="0">
-                <a:solidFill>
-                  <a:srgbClr val="FF0000"/>
-                </a:solidFill>
-              </a:rPr>
+              <a:rPr lang="en-GB" sz="6600" b="1" dirty="0"/>
+              <a:t> </a:t>
+            </a:r>
+            <a:r>
+              <a:rPr lang="en-GB" sz="6600" b="1" dirty="0" err="1"/>
               <a:t>tsy</a:t>
             </a:r>
             <a:r>
-              <a:rPr lang="en-GB" sz="6600" b="1" dirty="0" smtClean="0">
-                <a:solidFill>
-                  <a:srgbClr val="FF0000"/>
-                </a:solidFill>
-              </a:rPr>
-              <a:t> </a:t>
-            </a:r>
-            <a:r>
-              <a:rPr lang="en-GB" sz="6600" b="1" dirty="0" err="1" smtClean="0">
-                <a:solidFill>
-                  <a:srgbClr val="FF0000"/>
-                </a:solidFill>
-              </a:rPr>
+              <a:rPr lang="en-GB" sz="6600" b="1" dirty="0"/>
+              <a:t> </a:t>
+            </a:r>
+            <a:r>
+              <a:rPr lang="en-GB" sz="6600" b="1" dirty="0" err="1"/>
               <a:t>foiny</a:t>
             </a:r>
-            <a:endParaRPr lang="fr-FR" sz="6600" b="1" dirty="0">
-              <a:solidFill>
-                <a:srgbClr val="FF0000"/>
-              </a:solidFill>
-            </a:endParaRPr>
+            <a:endParaRPr lang="fr-FR" sz="6600" b="1" dirty="0"/>
           </a:p>
         </p:txBody>
       </p:sp>
@@ -4026,13 +3708,6 @@
   <p:transition>
     <p:fade/>
   </p:transition>
-  <p:timing>
-    <p:tnLst>
-      <p:par>
-        <p:cTn id="1" dur="indefinite" restart="never" nodeType="tmRoot"/>
-      </p:par>
-    </p:tnLst>
-  </p:timing>
 </p:sld>
 </file>
 
@@ -4077,144 +3752,124 @@
           <a:p>
             <a:r>
               <a:rPr lang="en-GB" sz="6600" b="1" dirty="0"/>
-              <a:t>1</a:t>
-            </a:r>
-            <a:r>
-              <a:rPr lang="en-GB" sz="6600" b="1" dirty="0" smtClean="0"/>
-              <a:t> </a:t>
-            </a:r>
-            <a:r>
-              <a:rPr lang="en-GB" sz="6600" b="1" dirty="0" err="1" smtClean="0"/>
+              <a:t>1 </a:t>
+            </a:r>
+            <a:r>
+              <a:rPr lang="en-GB" sz="6600" b="1" dirty="0" err="1"/>
               <a:t>Tsy</a:t>
             </a:r>
             <a:r>
-              <a:rPr lang="en-GB" sz="6600" b="1" dirty="0" smtClean="0"/>
-              <a:t> </a:t>
-            </a:r>
-            <a:r>
-              <a:rPr lang="en-GB" sz="6600" b="1" dirty="0" err="1" smtClean="0"/>
+              <a:rPr lang="en-GB" sz="6600" b="1" dirty="0"/>
+              <a:t> </a:t>
+            </a:r>
+            <a:r>
+              <a:rPr lang="en-GB" sz="6600" b="1" dirty="0" err="1"/>
               <a:t>hangina</a:t>
             </a:r>
             <a:r>
-              <a:rPr lang="en-GB" sz="6600" b="1" dirty="0" smtClean="0"/>
+              <a:rPr lang="en-GB" sz="6600" b="1" dirty="0"/>
               <a:t> re </a:t>
             </a:r>
             <a:r>
-              <a:rPr lang="en-GB" sz="6600" b="1" dirty="0" err="1" smtClean="0"/>
+              <a:rPr lang="en-GB" sz="6600" b="1" dirty="0" err="1"/>
               <a:t>ny</a:t>
             </a:r>
             <a:r>
-              <a:rPr lang="en-GB" sz="6600" b="1" dirty="0" smtClean="0"/>
-              <a:t> </a:t>
-            </a:r>
-            <a:r>
-              <a:rPr lang="en-GB" sz="6600" b="1" dirty="0" err="1" smtClean="0"/>
+              <a:rPr lang="en-GB" sz="6600" b="1" dirty="0"/>
+              <a:t> </a:t>
+            </a:r>
+            <a:r>
+              <a:rPr lang="en-GB" sz="6600" b="1" dirty="0" err="1"/>
               <a:t>hoby</a:t>
             </a:r>
             <a:r>
-              <a:rPr lang="en-GB" sz="6600" b="1" dirty="0" smtClean="0"/>
+              <a:rPr lang="en-GB" sz="6600" b="1" dirty="0"/>
               <a:t>,</a:t>
             </a:r>
-            <a:r>
-              <a:rPr lang="fr-FR" sz="6600" b="1" dirty="0" smtClean="0"/>
-              <a:t/>
-            </a:r>
             <a:br>
-              <a:rPr lang="fr-FR" sz="6600" b="1" dirty="0" smtClean="0"/>
+              <a:rPr lang="fr-FR" sz="6600" b="1" dirty="0"/>
             </a:br>
             <a:r>
-              <a:rPr lang="en-GB" sz="6600" b="1" dirty="0" err="1" smtClean="0"/>
+              <a:rPr lang="en-GB" sz="6600" b="1" dirty="0" err="1"/>
               <a:t>noho</a:t>
             </a:r>
             <a:r>
-              <a:rPr lang="en-GB" sz="6600" b="1" dirty="0" smtClean="0"/>
-              <a:t> </a:t>
-            </a:r>
-            <a:r>
-              <a:rPr lang="en-GB" sz="6600" b="1" dirty="0" err="1" smtClean="0"/>
+              <a:rPr lang="en-GB" sz="6600" b="1" dirty="0"/>
+              <a:t> </a:t>
+            </a:r>
+            <a:r>
+              <a:rPr lang="en-GB" sz="6600" b="1" dirty="0" err="1"/>
               <a:t>hianao</a:t>
             </a:r>
             <a:r>
-              <a:rPr lang="en-GB" sz="6600" b="1" dirty="0" smtClean="0"/>
-              <a:t> </a:t>
-            </a:r>
-            <a:r>
-              <a:rPr lang="en-GB" sz="6600" b="1" dirty="0" err="1" smtClean="0"/>
+              <a:rPr lang="en-GB" sz="6600" b="1" dirty="0"/>
+              <a:t> </a:t>
+            </a:r>
+            <a:r>
+              <a:rPr lang="en-GB" sz="6600" b="1" dirty="0" err="1"/>
               <a:t>ry</a:t>
             </a:r>
             <a:r>
-              <a:rPr lang="en-GB" sz="6600" b="1" dirty="0" smtClean="0"/>
-              <a:t> </a:t>
-            </a:r>
-            <a:r>
-              <a:rPr lang="en-GB" sz="6600" b="1" dirty="0" err="1" smtClean="0"/>
+              <a:rPr lang="en-GB" sz="6600" b="1" dirty="0"/>
+              <a:t> </a:t>
+            </a:r>
+            <a:r>
+              <a:rPr lang="en-GB" sz="6600" b="1" dirty="0" err="1"/>
               <a:t>Ziona</a:t>
             </a:r>
             <a:r>
-              <a:rPr lang="en-GB" sz="6600" b="1" dirty="0" smtClean="0"/>
+              <a:rPr lang="en-GB" sz="6600" b="1" dirty="0"/>
               <a:t> ;</a:t>
             </a:r>
-            <a:r>
-              <a:rPr lang="fr-FR" sz="6600" b="1" dirty="0" smtClean="0"/>
-              <a:t/>
-            </a:r>
             <a:br>
-              <a:rPr lang="fr-FR" sz="6600" b="1" dirty="0" smtClean="0"/>
+              <a:rPr lang="fr-FR" sz="6600" b="1" dirty="0"/>
             </a:br>
             <a:r>
-              <a:rPr lang="en-GB" sz="6600" b="1" dirty="0" err="1" smtClean="0"/>
+              <a:rPr lang="en-GB" sz="6600" b="1" dirty="0" err="1"/>
               <a:t>Fa</a:t>
             </a:r>
             <a:r>
-              <a:rPr lang="en-GB" sz="6600" b="1" dirty="0" smtClean="0"/>
-              <a:t> </a:t>
-            </a:r>
-            <a:r>
-              <a:rPr lang="en-GB" sz="6600" b="1" dirty="0" err="1" smtClean="0"/>
+              <a:rPr lang="en-GB" sz="6600" b="1" dirty="0"/>
+              <a:t> </a:t>
+            </a:r>
+            <a:r>
+              <a:rPr lang="en-GB" sz="6600" b="1" dirty="0" err="1"/>
               <a:t>miposaka</a:t>
             </a:r>
             <a:r>
-              <a:rPr lang="en-GB" sz="6600" b="1" dirty="0" smtClean="0"/>
-              <a:t> </a:t>
-            </a:r>
-            <a:r>
-              <a:rPr lang="en-GB" sz="6600" b="1" dirty="0" err="1" smtClean="0"/>
+              <a:rPr lang="en-GB" sz="6600" b="1" dirty="0"/>
+              <a:t> </a:t>
+            </a:r>
+            <a:r>
+              <a:rPr lang="en-GB" sz="6600" b="1" dirty="0" err="1"/>
               <a:t>aminao</a:t>
             </a:r>
-            <a:r>
-              <a:rPr lang="fr-FR" sz="6600" b="1" dirty="0" smtClean="0"/>
-              <a:t/>
-            </a:r>
             <a:br>
-              <a:rPr lang="fr-FR" sz="6600" b="1" dirty="0" smtClean="0"/>
+              <a:rPr lang="fr-FR" sz="6600" b="1" dirty="0"/>
             </a:br>
             <a:r>
-              <a:rPr lang="en-GB" sz="6600" b="1" dirty="0" err="1" smtClean="0"/>
+              <a:rPr lang="en-GB" sz="6600" b="1" dirty="0" err="1"/>
               <a:t>ny</a:t>
             </a:r>
             <a:r>
-              <a:rPr lang="en-GB" sz="6600" b="1" dirty="0" smtClean="0"/>
-              <a:t> </a:t>
-            </a:r>
-            <a:r>
-              <a:rPr lang="en-GB" sz="6600" b="1" dirty="0" err="1" smtClean="0"/>
+              <a:rPr lang="en-GB" sz="6600" b="1" dirty="0"/>
+              <a:t> </a:t>
+            </a:r>
+            <a:r>
+              <a:rPr lang="en-GB" sz="6600" b="1" dirty="0" err="1"/>
               <a:t>fahazavana</a:t>
             </a:r>
             <a:r>
-              <a:rPr lang="en-GB" sz="6600" b="1" dirty="0" smtClean="0"/>
-              <a:t> </a:t>
-            </a:r>
-            <a:r>
-              <a:rPr lang="en-GB" sz="6600" b="1" dirty="0" err="1" smtClean="0"/>
+              <a:rPr lang="en-GB" sz="6600" b="1" dirty="0"/>
+              <a:t> </a:t>
+            </a:r>
+            <a:r>
+              <a:rPr lang="en-GB" sz="6600" b="1" dirty="0" err="1"/>
               <a:t>soa</a:t>
             </a:r>
             <a:r>
-              <a:rPr lang="en-GB" sz="6600" b="1" dirty="0" smtClean="0"/>
-              <a:t> </a:t>
-            </a:r>
-            <a:r>
-              <a:rPr lang="en-GB" sz="6600" b="1" dirty="0" smtClean="0"/>
-              <a:t>;</a:t>
+              <a:rPr lang="en-GB" sz="6600" b="1" dirty="0"/>
+              <a:t> ;</a:t>
             </a:r>
             <a:endParaRPr lang="fr-FR" sz="2400" b="1" dirty="0"/>
           </a:p>
@@ -4228,13 +3883,6 @@
   <p:transition>
     <p:fade/>
   </p:transition>
-  <p:timing>
-    <p:tnLst>
-      <p:par>
-        <p:cTn id="1" dur="indefinite" restart="never" nodeType="tmRoot"/>
-      </p:par>
-    </p:tnLst>
-  </p:timing>
 </p:sld>
 </file>
 
@@ -4278,85 +3926,77 @@
           <a:lstStyle/>
           <a:p>
             <a:r>
-              <a:rPr lang="en-GB" sz="6000" b="1" dirty="0" err="1" smtClean="0"/>
+              <a:rPr lang="en-GB" sz="6000" b="1" dirty="0" err="1"/>
               <a:t>Ny</a:t>
             </a:r>
             <a:r>
-              <a:rPr lang="en-GB" sz="6000" b="1" dirty="0" smtClean="0"/>
-              <a:t> </a:t>
-            </a:r>
-            <a:r>
-              <a:rPr lang="en-GB" sz="6000" b="1" dirty="0" err="1" smtClean="0"/>
+              <a:rPr lang="en-GB" sz="6000" b="1" dirty="0"/>
+              <a:t> </a:t>
+            </a:r>
+            <a:r>
+              <a:rPr lang="en-GB" sz="6000" b="1" dirty="0" err="1"/>
               <a:t>fanilom-pamonjena</a:t>
             </a:r>
             <a:r>
-              <a:rPr lang="en-GB" sz="6000" b="1" dirty="0" smtClean="0"/>
+              <a:rPr lang="en-GB" sz="6000" b="1" dirty="0"/>
               <a:t>,</a:t>
             </a:r>
-            <a:r>
-              <a:rPr lang="fr-FR" sz="6000" b="1" dirty="0" smtClean="0"/>
-              <a:t/>
-            </a:r>
             <a:br>
-              <a:rPr lang="fr-FR" sz="6000" b="1" dirty="0" smtClean="0"/>
+              <a:rPr lang="fr-FR" sz="6000" b="1" dirty="0"/>
             </a:br>
             <a:r>
-              <a:rPr lang="en-GB" sz="6000" b="1" dirty="0" err="1" smtClean="0"/>
+              <a:rPr lang="en-GB" sz="6000" b="1" dirty="0" err="1"/>
               <a:t>indro</a:t>
             </a:r>
             <a:r>
-              <a:rPr lang="en-GB" sz="6000" b="1" dirty="0" smtClean="0"/>
-              <a:t> </a:t>
-            </a:r>
-            <a:r>
-              <a:rPr lang="en-GB" sz="6000" b="1" dirty="0" err="1" smtClean="0"/>
+              <a:rPr lang="en-GB" sz="6000" b="1" dirty="0"/>
+              <a:t> </a:t>
+            </a:r>
+            <a:r>
+              <a:rPr lang="en-GB" sz="6000" b="1" dirty="0" err="1"/>
               <a:t>fa</a:t>
             </a:r>
             <a:r>
-              <a:rPr lang="en-GB" sz="6000" b="1" dirty="0" smtClean="0"/>
-              <a:t> </a:t>
-            </a:r>
-            <a:r>
-              <a:rPr lang="en-GB" sz="6000" b="1" dirty="0" err="1" smtClean="0"/>
+              <a:rPr lang="en-GB" sz="6000" b="1" dirty="0"/>
+              <a:t> </a:t>
+            </a:r>
+            <a:r>
+              <a:rPr lang="en-GB" sz="6000" b="1" dirty="0" err="1"/>
               <a:t>torina</a:t>
             </a:r>
-            <a:r>
-              <a:rPr lang="fr-FR" sz="6000" b="1" dirty="0" smtClean="0"/>
-              <a:t/>
-            </a:r>
             <a:br>
-              <a:rPr lang="fr-FR" sz="6000" b="1" dirty="0" smtClean="0"/>
+              <a:rPr lang="fr-FR" sz="6000" b="1" dirty="0"/>
             </a:br>
             <a:r>
-              <a:rPr lang="en-GB" sz="6000" b="1" dirty="0" err="1" smtClean="0"/>
+              <a:rPr lang="en-GB" sz="6000" b="1" dirty="0" err="1"/>
               <a:t>Hanazava</a:t>
             </a:r>
             <a:r>
-              <a:rPr lang="en-GB" sz="6000" b="1" dirty="0" smtClean="0"/>
-              <a:t> </a:t>
-            </a:r>
-            <a:r>
-              <a:rPr lang="en-GB" sz="6000" b="1" dirty="0" err="1" smtClean="0"/>
+              <a:rPr lang="en-GB" sz="6000" b="1" dirty="0"/>
+              <a:t> </a:t>
+            </a:r>
+            <a:r>
+              <a:rPr lang="en-GB" sz="6000" b="1" dirty="0" err="1"/>
               <a:t>ny</a:t>
             </a:r>
             <a:r>
-              <a:rPr lang="en-GB" sz="6000" b="1" dirty="0" smtClean="0"/>
-              <a:t> </a:t>
-            </a:r>
-            <a:r>
-              <a:rPr lang="en-GB" sz="6000" b="1" dirty="0" err="1" smtClean="0"/>
+              <a:rPr lang="en-GB" sz="6000" b="1" dirty="0"/>
+              <a:t> </a:t>
+            </a:r>
+            <a:r>
+              <a:rPr lang="en-GB" sz="6000" b="1" dirty="0" err="1"/>
               <a:t>olona</a:t>
             </a:r>
             <a:r>
-              <a:rPr lang="en-GB" sz="6000" b="1" dirty="0" smtClean="0"/>
-              <a:t> </a:t>
-            </a:r>
-            <a:r>
-              <a:rPr lang="en-GB" sz="6000" b="1" dirty="0" err="1" smtClean="0"/>
+              <a:rPr lang="en-GB" sz="6000" b="1" dirty="0"/>
+              <a:t> </a:t>
+            </a:r>
+            <a:r>
+              <a:rPr lang="en-GB" sz="6000" b="1" dirty="0" err="1"/>
               <a:t>tokoa</a:t>
             </a:r>
             <a:r>
-              <a:rPr lang="en-GB" sz="6000" b="1" dirty="0" smtClean="0"/>
+              <a:rPr lang="en-GB" sz="6000" b="1" dirty="0"/>
               <a:t>.</a:t>
             </a:r>
             <a:endParaRPr lang="fr-FR" sz="6000" b="1" dirty="0"/>
@@ -4371,13 +4011,6 @@
   <p:transition>
     <p:fade/>
   </p:transition>
-  <p:timing>
-    <p:tnLst>
-      <p:par>
-        <p:cTn id="1" dur="indefinite" restart="never" nodeType="tmRoot"/>
-      </p:par>
-    </p:tnLst>
-  </p:timing>
 </p:sld>
 </file>
 
@@ -4421,227 +4054,99 @@
           <a:lstStyle/>
           <a:p>
             <a:r>
-              <a:rPr lang="en-GB" sz="6600" b="1" dirty="0" smtClean="0"/>
-              <a:t> </a:t>
-            </a:r>
-            <a:r>
-              <a:rPr lang="en-GB" sz="6600" b="1" dirty="0" err="1" smtClean="0">
-                <a:solidFill>
-                  <a:srgbClr val="FF0000"/>
-                </a:solidFill>
-              </a:rPr>
+              <a:rPr lang="en-GB" sz="6600" b="1" dirty="0"/>
+              <a:t> </a:t>
+            </a:r>
+            <a:r>
+              <a:rPr lang="en-GB" sz="6600" b="1" dirty="0" err="1"/>
               <a:t>Mivoaha</a:t>
             </a:r>
             <a:r>
-              <a:rPr lang="en-GB" sz="6600" b="1" dirty="0" smtClean="0">
-                <a:solidFill>
-                  <a:srgbClr val="FF0000"/>
-                </a:solidFill>
-              </a:rPr>
+              <a:rPr lang="en-GB" sz="6600" b="1" dirty="0"/>
               <a:t>, </a:t>
             </a:r>
             <a:r>
-              <a:rPr lang="en-GB" sz="6600" b="1" dirty="0" err="1" smtClean="0">
-                <a:solidFill>
-                  <a:srgbClr val="FF0000"/>
-                </a:solidFill>
-              </a:rPr>
+              <a:rPr lang="en-GB" sz="6600" b="1" dirty="0" err="1"/>
               <a:t>asandrato</a:t>
             </a:r>
             <a:r>
-              <a:rPr lang="en-GB" sz="6600" b="1" dirty="0" smtClean="0">
-                <a:solidFill>
-                  <a:srgbClr val="FF0000"/>
-                </a:solidFill>
-              </a:rPr>
-              <a:t> </a:t>
-            </a:r>
-            <a:r>
-              <a:rPr lang="en-GB" sz="6600" b="1" dirty="0" err="1" smtClean="0">
-                <a:solidFill>
-                  <a:srgbClr val="FF0000"/>
-                </a:solidFill>
-              </a:rPr>
+              <a:rPr lang="en-GB" sz="6600" b="1" dirty="0"/>
+              <a:t> </a:t>
+            </a:r>
+            <a:r>
+              <a:rPr lang="en-GB" sz="6600" b="1" dirty="0" err="1"/>
               <a:t>ny</a:t>
             </a:r>
-            <a:r>
-              <a:rPr lang="fr-FR" sz="6600" b="1" dirty="0" smtClean="0">
-                <a:solidFill>
-                  <a:srgbClr val="FF0000"/>
-                </a:solidFill>
-              </a:rPr>
-              <a:t/>
-            </a:r>
             <a:br>
-              <a:rPr lang="fr-FR" sz="6600" b="1" dirty="0" smtClean="0">
-                <a:solidFill>
-                  <a:srgbClr val="FF0000"/>
-                </a:solidFill>
-              </a:rPr>
+              <a:rPr lang="fr-FR" sz="6600" b="1" dirty="0"/>
             </a:br>
             <a:r>
-              <a:rPr lang="en-GB" sz="6600" b="1" dirty="0" err="1" smtClean="0">
-                <a:solidFill>
-                  <a:srgbClr val="FF0000"/>
-                </a:solidFill>
-              </a:rPr>
+              <a:rPr lang="en-GB" sz="6600" b="1" dirty="0" err="1"/>
               <a:t>faneva</a:t>
             </a:r>
             <a:r>
-              <a:rPr lang="en-GB" sz="6600" b="1" dirty="0" smtClean="0">
-                <a:solidFill>
-                  <a:srgbClr val="FF0000"/>
-                </a:solidFill>
-              </a:rPr>
-              <a:t> </a:t>
-            </a:r>
-            <a:r>
-              <a:rPr lang="en-GB" sz="6600" b="1" dirty="0" err="1" smtClean="0">
-                <a:solidFill>
-                  <a:srgbClr val="FF0000"/>
-                </a:solidFill>
-              </a:rPr>
+              <a:rPr lang="en-GB" sz="6600" b="1" dirty="0"/>
+              <a:t> </a:t>
+            </a:r>
+            <a:r>
+              <a:rPr lang="en-GB" sz="6600" b="1" dirty="0" err="1"/>
               <a:t>soanareo</a:t>
             </a:r>
             <a:r>
-              <a:rPr lang="en-GB" sz="6600" b="1" dirty="0" smtClean="0">
-                <a:solidFill>
-                  <a:srgbClr val="FF0000"/>
-                </a:solidFill>
-              </a:rPr>
+              <a:rPr lang="en-GB" sz="6600" b="1" dirty="0"/>
               <a:t> ;</a:t>
             </a:r>
-            <a:r>
-              <a:rPr lang="fr-FR" sz="6600" b="1" dirty="0" smtClean="0">
-                <a:solidFill>
-                  <a:srgbClr val="FF0000"/>
-                </a:solidFill>
-              </a:rPr>
-              <a:t/>
-            </a:r>
             <a:br>
-              <a:rPr lang="fr-FR" sz="6600" b="1" dirty="0" smtClean="0">
-                <a:solidFill>
-                  <a:srgbClr val="FF0000"/>
-                </a:solidFill>
-              </a:rPr>
+              <a:rPr lang="fr-FR" sz="6600" b="1" dirty="0"/>
             </a:br>
             <a:r>
-              <a:rPr lang="en-GB" sz="6600" b="1" dirty="0" err="1" smtClean="0">
-                <a:solidFill>
-                  <a:srgbClr val="FF0000"/>
-                </a:solidFill>
-              </a:rPr>
+              <a:rPr lang="en-GB" sz="6600" b="1" dirty="0" err="1"/>
               <a:t>Tsenao</a:t>
             </a:r>
             <a:r>
-              <a:rPr lang="en-GB" sz="6600" b="1" dirty="0" smtClean="0">
-                <a:solidFill>
-                  <a:srgbClr val="FF0000"/>
-                </a:solidFill>
-              </a:rPr>
-              <a:t> </a:t>
-            </a:r>
-            <a:r>
-              <a:rPr lang="en-GB" sz="6600" b="1" dirty="0" smtClean="0">
-                <a:solidFill>
-                  <a:srgbClr val="FF0000"/>
-                </a:solidFill>
-              </a:rPr>
-              <a:t>re </a:t>
-            </a:r>
-            <a:r>
-              <a:rPr lang="en-GB" sz="6600" b="1" dirty="0" err="1" smtClean="0">
-                <a:solidFill>
-                  <a:srgbClr val="FF0000"/>
-                </a:solidFill>
-              </a:rPr>
+              <a:rPr lang="en-GB" sz="6600" b="1" dirty="0"/>
+              <a:t> re </a:t>
+            </a:r>
+            <a:r>
+              <a:rPr lang="en-GB" sz="6600" b="1" dirty="0" err="1"/>
               <a:t>ny</a:t>
             </a:r>
             <a:r>
-              <a:rPr lang="en-GB" sz="6600" b="1" dirty="0" smtClean="0">
-                <a:solidFill>
-                  <a:srgbClr val="FF0000"/>
-                </a:solidFill>
-              </a:rPr>
-              <a:t> </a:t>
-            </a:r>
-            <a:r>
-              <a:rPr lang="en-GB" sz="6600" b="1" dirty="0" err="1" smtClean="0">
-                <a:solidFill>
-                  <a:srgbClr val="FF0000"/>
-                </a:solidFill>
-              </a:rPr>
+              <a:rPr lang="en-GB" sz="6600" b="1" dirty="0"/>
+              <a:t> </a:t>
+            </a:r>
+            <a:r>
+              <a:rPr lang="en-GB" sz="6600" b="1" dirty="0" err="1"/>
               <a:t>Mpanjaka</a:t>
             </a:r>
             <a:r>
-              <a:rPr lang="en-GB" sz="6600" b="1" dirty="0" smtClean="0">
-                <a:solidFill>
-                  <a:srgbClr val="FF0000"/>
-                </a:solidFill>
-              </a:rPr>
+              <a:rPr lang="en-GB" sz="6600" b="1" dirty="0"/>
               <a:t>,</a:t>
             </a:r>
-            <a:r>
-              <a:rPr lang="fr-FR" sz="6600" b="1" dirty="0" smtClean="0">
-                <a:solidFill>
-                  <a:srgbClr val="FF0000"/>
-                </a:solidFill>
-              </a:rPr>
-              <a:t/>
-            </a:r>
             <a:br>
-              <a:rPr lang="fr-FR" sz="6600" b="1" dirty="0" smtClean="0">
-                <a:solidFill>
-                  <a:srgbClr val="FF0000"/>
-                </a:solidFill>
-              </a:rPr>
+              <a:rPr lang="fr-FR" sz="6600" b="1" dirty="0"/>
             </a:br>
             <a:r>
-              <a:rPr lang="en-GB" sz="6600" b="1" dirty="0" err="1" smtClean="0">
-                <a:solidFill>
-                  <a:srgbClr val="FF0000"/>
-                </a:solidFill>
-              </a:rPr>
+              <a:rPr lang="en-GB" sz="6600" b="1" dirty="0" err="1"/>
               <a:t>fa</a:t>
             </a:r>
             <a:r>
-              <a:rPr lang="en-GB" sz="6600" b="1" dirty="0" smtClean="0">
-                <a:solidFill>
-                  <a:srgbClr val="FF0000"/>
-                </a:solidFill>
-              </a:rPr>
-              <a:t> </a:t>
-            </a:r>
-            <a:r>
-              <a:rPr lang="en-GB" sz="6600" b="1" dirty="0" err="1" smtClean="0">
-                <a:solidFill>
-                  <a:srgbClr val="FF0000"/>
-                </a:solidFill>
-              </a:rPr>
+              <a:rPr lang="en-GB" sz="6600" b="1" dirty="0"/>
+              <a:t> </a:t>
+            </a:r>
+            <a:r>
+              <a:rPr lang="en-GB" sz="6600" b="1" dirty="0" err="1"/>
               <a:t>avy</a:t>
             </a:r>
             <a:r>
-              <a:rPr lang="en-GB" sz="6600" b="1" dirty="0" smtClean="0">
-                <a:solidFill>
-                  <a:srgbClr val="FF0000"/>
-                </a:solidFill>
-              </a:rPr>
-              <a:t> </a:t>
-            </a:r>
-            <a:r>
-              <a:rPr lang="en-GB" sz="6600" b="1" dirty="0" err="1" smtClean="0">
-                <a:solidFill>
-                  <a:srgbClr val="FF0000"/>
-                </a:solidFill>
-              </a:rPr>
+              <a:rPr lang="en-GB" sz="6600" b="1" dirty="0"/>
+              <a:t> </a:t>
+            </a:r>
+            <a:r>
+              <a:rPr lang="en-GB" sz="6600" b="1" dirty="0" err="1"/>
               <a:t>aminao</a:t>
             </a:r>
-            <a:endParaRPr lang="fr-FR" sz="6600" b="1" dirty="0">
-              <a:solidFill>
-                <a:srgbClr val="FF0000"/>
-              </a:solidFill>
-            </a:endParaRPr>
+            <a:endParaRPr lang="fr-FR" sz="6600" b="1" dirty="0"/>
           </a:p>
         </p:txBody>
       </p:sp>
@@ -4653,13 +4158,6 @@
   <p:transition>
     <p:fade/>
   </p:transition>
-  <p:timing>
-    <p:tnLst>
-      <p:par>
-        <p:cTn id="1" dur="indefinite" restart="never" nodeType="tmRoot"/>
-      </p:par>
-    </p:tnLst>
-  </p:timing>
 </p:sld>
 </file>
 
@@ -4703,240 +4201,112 @@
           <a:lstStyle/>
           <a:p>
             <a:r>
-              <a:rPr lang="en-GB" sz="6600" b="1" dirty="0" smtClean="0">
-                <a:solidFill>
-                  <a:srgbClr val="FF0000"/>
-                </a:solidFill>
-              </a:rPr>
-              <a:t> </a:t>
-            </a:r>
-            <a:r>
-              <a:rPr lang="en-GB" sz="6600" b="1" dirty="0" err="1" smtClean="0">
-                <a:solidFill>
-                  <a:srgbClr val="FF0000"/>
-                </a:solidFill>
-              </a:rPr>
+              <a:rPr lang="en-GB" sz="6600" b="1" dirty="0"/>
+              <a:t> </a:t>
+            </a:r>
+            <a:r>
+              <a:rPr lang="en-GB" sz="6600" b="1" dirty="0" err="1"/>
               <a:t>Ny</a:t>
             </a:r>
             <a:r>
-              <a:rPr lang="en-GB" sz="6600" b="1" dirty="0" smtClean="0">
-                <a:solidFill>
-                  <a:srgbClr val="FF0000"/>
-                </a:solidFill>
-              </a:rPr>
-              <a:t> </a:t>
-            </a:r>
-            <a:r>
-              <a:rPr lang="en-GB" sz="6600" b="1" dirty="0" err="1" smtClean="0">
-                <a:solidFill>
-                  <a:srgbClr val="FF0000"/>
-                </a:solidFill>
-              </a:rPr>
+              <a:rPr lang="en-GB" sz="6600" b="1" dirty="0"/>
+              <a:t> </a:t>
+            </a:r>
+            <a:r>
+              <a:rPr lang="en-GB" sz="6600" b="1" dirty="0" err="1"/>
               <a:t>famonjeny</a:t>
             </a:r>
             <a:r>
-              <a:rPr lang="en-GB" sz="6600" b="1" dirty="0" smtClean="0">
-                <a:solidFill>
-                  <a:srgbClr val="FF0000"/>
-                </a:solidFill>
-              </a:rPr>
-              <a:t> </a:t>
-            </a:r>
-            <a:r>
-              <a:rPr lang="en-GB" sz="6600" b="1" dirty="0" err="1" smtClean="0">
-                <a:solidFill>
-                  <a:srgbClr val="FF0000"/>
-                </a:solidFill>
-              </a:rPr>
+              <a:rPr lang="en-GB" sz="6600" b="1" dirty="0"/>
+              <a:t> </a:t>
+            </a:r>
+            <a:r>
+              <a:rPr lang="en-GB" sz="6600" b="1" dirty="0" err="1"/>
               <a:t>sy</a:t>
             </a:r>
             <a:r>
-              <a:rPr lang="en-GB" sz="6600" b="1" dirty="0" smtClean="0">
-                <a:solidFill>
-                  <a:srgbClr val="FF0000"/>
-                </a:solidFill>
-              </a:rPr>
-              <a:t> </a:t>
-            </a:r>
-            <a:r>
-              <a:rPr lang="en-GB" sz="6600" b="1" dirty="0" err="1" smtClean="0">
-                <a:solidFill>
-                  <a:srgbClr val="FF0000"/>
-                </a:solidFill>
-              </a:rPr>
+              <a:rPr lang="en-GB" sz="6600" b="1" dirty="0"/>
+              <a:t> </a:t>
+            </a:r>
+            <a:r>
+              <a:rPr lang="en-GB" sz="6600" b="1" dirty="0" err="1"/>
               <a:t>ny</a:t>
             </a:r>
             <a:r>
-              <a:rPr lang="en-GB" sz="6600" b="1" dirty="0" smtClean="0">
-                <a:solidFill>
-                  <a:srgbClr val="FF0000"/>
-                </a:solidFill>
-              </a:rPr>
-              <a:t> </a:t>
-            </a:r>
-            <a:r>
-              <a:rPr lang="en-GB" sz="6600" b="1" dirty="0" err="1" smtClean="0">
-                <a:solidFill>
-                  <a:srgbClr val="FF0000"/>
-                </a:solidFill>
-              </a:rPr>
+              <a:rPr lang="en-GB" sz="6600" b="1" dirty="0"/>
+              <a:t> </a:t>
+            </a:r>
+            <a:r>
+              <a:rPr lang="en-GB" sz="6600" b="1" dirty="0" err="1"/>
               <a:t>lova</a:t>
             </a:r>
-            <a:r>
-              <a:rPr lang="fr-FR" sz="6600" b="1" dirty="0" smtClean="0">
-                <a:solidFill>
-                  <a:srgbClr val="FF0000"/>
-                </a:solidFill>
-              </a:rPr>
-              <a:t/>
-            </a:r>
             <a:br>
-              <a:rPr lang="fr-FR" sz="6600" b="1" dirty="0" smtClean="0">
-                <a:solidFill>
-                  <a:srgbClr val="FF0000"/>
-                </a:solidFill>
-              </a:rPr>
+              <a:rPr lang="fr-FR" sz="6600" b="1" dirty="0"/>
             </a:br>
             <a:r>
-              <a:rPr lang="en-GB" sz="6600" b="1" i="1" dirty="0" err="1" smtClean="0">
-                <a:solidFill>
-                  <a:srgbClr val="FF0000"/>
-                </a:solidFill>
-              </a:rPr>
+              <a:rPr lang="en-GB" sz="6600" b="1" i="1" dirty="0" err="1"/>
               <a:t>i</a:t>
             </a:r>
             <a:r>
-              <a:rPr lang="en-GB" sz="6600" b="1" dirty="0" err="1" smtClean="0">
-                <a:solidFill>
-                  <a:srgbClr val="FF0000"/>
-                </a:solidFill>
-              </a:rPr>
+              <a:rPr lang="en-GB" sz="6600" b="1" dirty="0" err="1"/>
               <a:t>zay</a:t>
             </a:r>
             <a:r>
-              <a:rPr lang="en-GB" sz="6600" b="1" dirty="0" smtClean="0">
-                <a:solidFill>
-                  <a:srgbClr val="FF0000"/>
-                </a:solidFill>
-              </a:rPr>
-              <a:t> </a:t>
-            </a:r>
-            <a:r>
-              <a:rPr lang="en-GB" sz="6600" b="1" dirty="0" err="1" smtClean="0">
-                <a:solidFill>
-                  <a:srgbClr val="FF0000"/>
-                </a:solidFill>
-              </a:rPr>
+              <a:rPr lang="en-GB" sz="6600" b="1" dirty="0"/>
+              <a:t> </a:t>
+            </a:r>
+            <a:r>
+              <a:rPr lang="en-GB" sz="6600" b="1" dirty="0" err="1"/>
               <a:t>atolony</a:t>
             </a:r>
             <a:r>
-              <a:rPr lang="en-GB" sz="6600" b="1" dirty="0" smtClean="0">
-                <a:solidFill>
-                  <a:srgbClr val="FF0000"/>
-                </a:solidFill>
-              </a:rPr>
-              <a:t> </a:t>
-            </a:r>
-            <a:r>
-              <a:rPr lang="en-GB" sz="6600" b="1" dirty="0" err="1" smtClean="0">
-                <a:solidFill>
-                  <a:srgbClr val="FF0000"/>
-                </a:solidFill>
-              </a:rPr>
+              <a:rPr lang="en-GB" sz="6600" b="1" dirty="0"/>
+              <a:t> </a:t>
+            </a:r>
+            <a:r>
+              <a:rPr lang="en-GB" sz="6600" b="1" dirty="0" err="1"/>
               <a:t>anao</a:t>
             </a:r>
-            <a:r>
-              <a:rPr lang="fr-FR" sz="6600" b="1" dirty="0" smtClean="0">
-                <a:solidFill>
-                  <a:srgbClr val="FF0000"/>
-                </a:solidFill>
-              </a:rPr>
-              <a:t/>
-            </a:r>
             <a:br>
-              <a:rPr lang="fr-FR" sz="6600" b="1" dirty="0" smtClean="0">
-                <a:solidFill>
-                  <a:srgbClr val="FF0000"/>
-                </a:solidFill>
-              </a:rPr>
+              <a:rPr lang="fr-FR" sz="6600" b="1" dirty="0"/>
             </a:br>
             <a:r>
-              <a:rPr lang="en-GB" sz="6600" b="1" dirty="0" err="1" smtClean="0">
-                <a:solidFill>
-                  <a:srgbClr val="FF0000"/>
-                </a:solidFill>
-              </a:rPr>
+              <a:rPr lang="en-GB" sz="6600" b="1" dirty="0" err="1"/>
               <a:t>Satria</a:t>
             </a:r>
             <a:r>
-              <a:rPr lang="en-GB" sz="6600" b="1" dirty="0" smtClean="0">
-                <a:solidFill>
-                  <a:srgbClr val="FF0000"/>
-                </a:solidFill>
-              </a:rPr>
-              <a:t> </a:t>
-            </a:r>
-            <a:r>
-              <a:rPr lang="en-GB" sz="6600" b="1" dirty="0" err="1" smtClean="0">
-                <a:solidFill>
-                  <a:srgbClr val="FF0000"/>
-                </a:solidFill>
-              </a:rPr>
+              <a:rPr lang="en-GB" sz="6600" b="1" dirty="0"/>
+              <a:t> </a:t>
+            </a:r>
+            <a:r>
+              <a:rPr lang="en-GB" sz="6600" b="1" dirty="0" err="1"/>
               <a:t>hianao</a:t>
             </a:r>
             <a:r>
-              <a:rPr lang="en-GB" sz="6600" b="1" dirty="0" smtClean="0">
-                <a:solidFill>
-                  <a:srgbClr val="FF0000"/>
-                </a:solidFill>
-              </a:rPr>
-              <a:t> </a:t>
-            </a:r>
-            <a:r>
-              <a:rPr lang="en-GB" sz="6600" b="1" dirty="0" err="1" smtClean="0">
-                <a:solidFill>
-                  <a:srgbClr val="FF0000"/>
-                </a:solidFill>
-              </a:rPr>
+              <a:rPr lang="en-GB" sz="6600" b="1" dirty="0"/>
+              <a:t> </a:t>
+            </a:r>
+            <a:r>
+              <a:rPr lang="en-GB" sz="6600" b="1" dirty="0" err="1"/>
               <a:t>dia</a:t>
             </a:r>
             <a:r>
-              <a:rPr lang="en-GB" sz="6600" b="1" dirty="0" smtClean="0">
-                <a:solidFill>
-                  <a:srgbClr val="FF0000"/>
-                </a:solidFill>
-              </a:rPr>
-              <a:t> </a:t>
-            </a:r>
-            <a:r>
-              <a:rPr lang="en-GB" sz="6600" b="1" dirty="0" err="1" smtClean="0">
-                <a:solidFill>
-                  <a:srgbClr val="FF0000"/>
-                </a:solidFill>
-              </a:rPr>
+              <a:rPr lang="en-GB" sz="6600" b="1" dirty="0"/>
+              <a:t> </a:t>
+            </a:r>
+            <a:r>
+              <a:rPr lang="en-GB" sz="6600" b="1" dirty="0" err="1"/>
               <a:t>tsy</a:t>
             </a:r>
             <a:r>
-              <a:rPr lang="en-GB" sz="6600" b="1" dirty="0" smtClean="0">
-                <a:solidFill>
-                  <a:srgbClr val="FF0000"/>
-                </a:solidFill>
-              </a:rPr>
-              <a:t> </a:t>
-            </a:r>
-            <a:r>
-              <a:rPr lang="en-GB" sz="6600" b="1" dirty="0" err="1" smtClean="0">
-                <a:solidFill>
-                  <a:srgbClr val="FF0000"/>
-                </a:solidFill>
-              </a:rPr>
+              <a:rPr lang="en-GB" sz="6600" b="1" dirty="0"/>
+              <a:t> </a:t>
+            </a:r>
+            <a:r>
+              <a:rPr lang="en-GB" sz="6600" b="1" dirty="0" err="1"/>
               <a:t>foiny</a:t>
             </a:r>
-            <a:endParaRPr lang="fr-FR" sz="6600" b="1" dirty="0">
-              <a:solidFill>
-                <a:srgbClr val="FF0000"/>
-              </a:solidFill>
-            </a:endParaRPr>
+            <a:endParaRPr lang="fr-FR" sz="6600" b="1" dirty="0"/>
           </a:p>
         </p:txBody>
       </p:sp>
@@ -4948,13 +4318,6 @@
   <p:transition>
     <p:fade/>
   </p:transition>
-  <p:timing>
-    <p:tnLst>
-      <p:par>
-        <p:cTn id="1" dur="indefinite" restart="never" nodeType="tmRoot"/>
-      </p:par>
-    </p:tnLst>
-  </p:timing>
 </p:sld>
 </file>
 
@@ -4999,64 +4362,60 @@
           <a:p>
             <a:r>
               <a:rPr lang="en-GB" sz="7200" b="1" dirty="0"/>
-              <a:t>2</a:t>
-            </a:r>
-            <a:r>
-              <a:rPr lang="en-GB" sz="7200" b="1" dirty="0" smtClean="0"/>
-              <a:t> </a:t>
-            </a:r>
-            <a:r>
-              <a:rPr lang="en-GB" sz="7200" b="1" dirty="0" err="1" smtClean="0"/>
+              <a:t>2 </a:t>
+            </a:r>
+            <a:r>
+              <a:rPr lang="en-GB" sz="7200" b="1" dirty="0" err="1"/>
               <a:t>Voninahi-panjakana</a:t>
             </a:r>
             <a:r>
-              <a:rPr lang="en-GB" sz="7200" b="1" dirty="0" smtClean="0"/>
+              <a:rPr lang="en-GB" sz="7200" b="1" dirty="0"/>
               <a:t> </a:t>
             </a:r>
             <a:br>
-              <a:rPr lang="en-GB" sz="7200" b="1" dirty="0" smtClean="0"/>
+              <a:rPr lang="en-GB" sz="7200" b="1" dirty="0"/>
             </a:br>
             <a:r>
-              <a:rPr lang="en-GB" sz="7200" b="1" dirty="0" err="1" smtClean="0"/>
+              <a:rPr lang="en-GB" sz="7200" b="1" dirty="0" err="1"/>
               <a:t>isaloranao</a:t>
             </a:r>
             <a:r>
-              <a:rPr lang="en-GB" sz="7200" b="1" dirty="0" smtClean="0"/>
+              <a:rPr lang="en-GB" sz="7200" b="1" dirty="0"/>
               <a:t> </a:t>
             </a:r>
             <a:br>
-              <a:rPr lang="en-GB" sz="7200" b="1" dirty="0" smtClean="0"/>
+              <a:rPr lang="en-GB" sz="7200" b="1" dirty="0"/>
             </a:br>
             <a:r>
-              <a:rPr lang="en-GB" sz="7200" b="1" dirty="0" err="1" smtClean="0"/>
+              <a:rPr lang="en-GB" sz="7200" b="1" dirty="0" err="1"/>
               <a:t>Sy</a:t>
             </a:r>
             <a:r>
-              <a:rPr lang="en-GB" sz="7200" b="1" dirty="0" smtClean="0"/>
-              <a:t> </a:t>
-            </a:r>
-            <a:r>
-              <a:rPr lang="en-GB" sz="7200" b="1" dirty="0" err="1" smtClean="0"/>
+              <a:rPr lang="en-GB" sz="7200" b="1" dirty="0"/>
+              <a:t> </a:t>
+            </a:r>
+            <a:r>
+              <a:rPr lang="en-GB" sz="7200" b="1" dirty="0" err="1"/>
               <a:t>anaram-baovao</a:t>
             </a:r>
             <a:r>
-              <a:rPr lang="en-GB" sz="7200" b="1" dirty="0" smtClean="0"/>
+              <a:rPr lang="en-GB" sz="7200" b="1" dirty="0"/>
               <a:t> no </a:t>
             </a:r>
             <a:r>
-              <a:rPr lang="en-GB" sz="7200" b="1" dirty="0" err="1" smtClean="0"/>
+              <a:rPr lang="en-GB" sz="7200" b="1" dirty="0" err="1"/>
               <a:t>iantsoan</a:t>
             </a:r>
             <a:r>
-              <a:rPr lang="en-GB" sz="7200" b="1" i="1" dirty="0" err="1" smtClean="0"/>
+              <a:rPr lang="en-GB" sz="7200" b="1" i="1" dirty="0" err="1"/>
               <a:t>a</a:t>
             </a:r>
             <a:r>
-              <a:rPr lang="en-GB" sz="7200" b="1" dirty="0" smtClean="0"/>
-              <a:t> </a:t>
-            </a:r>
-            <a:r>
-              <a:rPr lang="en-GB" sz="7200" b="1" dirty="0" err="1" smtClean="0"/>
+              <a:rPr lang="en-GB" sz="7200" b="1" dirty="0"/>
+              <a:t> </a:t>
+            </a:r>
+            <a:r>
+              <a:rPr lang="en-GB" sz="7200" b="1" dirty="0" err="1"/>
               <a:t>anao</a:t>
             </a:r>
             <a:endParaRPr lang="fr-FR" sz="7200" b="1" dirty="0"/>
@@ -5071,13 +4430,6 @@
   <p:transition>
     <p:fade/>
   </p:transition>
-  <p:timing>
-    <p:tnLst>
-      <p:par>
-        <p:cTn id="1" dur="indefinite" restart="never" nodeType="tmRoot"/>
-      </p:par>
-    </p:tnLst>
-  </p:timing>
 </p:sld>
 </file>
 
@@ -5121,92 +4473,80 @@
           <a:lstStyle/>
           <a:p>
             <a:r>
-              <a:rPr lang="en-GB" sz="7200" b="1" dirty="0" err="1" smtClean="0"/>
+              <a:rPr lang="en-GB" sz="7200" b="1" dirty="0" err="1"/>
               <a:t>Fampakaram-bady</a:t>
             </a:r>
             <a:r>
-              <a:rPr lang="en-GB" sz="7200" b="1" dirty="0" smtClean="0"/>
+              <a:rPr lang="en-GB" sz="7200" b="1" dirty="0"/>
               <a:t>,</a:t>
             </a:r>
             <a:br>
-              <a:rPr lang="en-GB" sz="7200" b="1" dirty="0" smtClean="0"/>
+              <a:rPr lang="en-GB" sz="7200" b="1" dirty="0"/>
             </a:br>
             <a:r>
-              <a:rPr lang="en-GB" sz="7200" b="1" dirty="0" err="1" smtClean="0"/>
+              <a:rPr lang="en-GB" sz="7200" b="1" dirty="0" err="1"/>
               <a:t>fety</a:t>
             </a:r>
             <a:r>
-              <a:rPr lang="en-GB" sz="7200" b="1" dirty="0" smtClean="0"/>
-              <a:t> </a:t>
-            </a:r>
-            <a:r>
-              <a:rPr lang="en-GB" sz="7200" b="1" dirty="0" err="1" smtClean="0"/>
+              <a:rPr lang="en-GB" sz="7200" b="1" dirty="0"/>
+              <a:t> </a:t>
+            </a:r>
+            <a:r>
+              <a:rPr lang="en-GB" sz="7200" b="1" dirty="0" err="1"/>
               <a:t>anaingàna</a:t>
             </a:r>
             <a:r>
-              <a:rPr lang="en-GB" sz="7200" b="1" dirty="0" smtClean="0"/>
-              <a:t> </a:t>
-            </a:r>
-            <a:r>
-              <a:rPr lang="en-GB" sz="7200" b="1" dirty="0" err="1" smtClean="0"/>
+              <a:rPr lang="en-GB" sz="7200" b="1" dirty="0"/>
+              <a:t> </a:t>
+            </a:r>
+            <a:r>
+              <a:rPr lang="en-GB" sz="7200" b="1" dirty="0" err="1"/>
               <a:t>anao</a:t>
             </a:r>
             <a:r>
-              <a:rPr lang="en-GB" sz="7200" b="1" dirty="0" smtClean="0"/>
-              <a:t> </a:t>
-            </a:r>
-            <a:r>
-              <a:rPr lang="fr-FR" sz="7200" dirty="0" smtClean="0"/>
-              <a:t/>
+              <a:rPr lang="en-GB" sz="7200" b="1" dirty="0"/>
+              <a:t> </a:t>
             </a:r>
             <a:br>
-              <a:rPr lang="fr-FR" sz="7200" dirty="0" smtClean="0"/>
+              <a:rPr lang="fr-FR" sz="7200" dirty="0"/>
             </a:br>
             <a:r>
-              <a:rPr lang="en-GB" sz="7200" b="1" dirty="0" err="1" smtClean="0"/>
+              <a:rPr lang="en-GB" sz="7200" b="1" dirty="0" err="1"/>
               <a:t>Mba</a:t>
             </a:r>
             <a:r>
-              <a:rPr lang="en-GB" sz="7200" b="1" dirty="0" smtClean="0"/>
-              <a:t> </a:t>
-            </a:r>
-            <a:r>
-              <a:rPr lang="en-GB" sz="7200" b="1" dirty="0" smtClean="0"/>
-              <a:t>ho </a:t>
-            </a:r>
-            <a:r>
-              <a:rPr lang="en-GB" sz="7200" b="1" dirty="0" err="1" smtClean="0"/>
+              <a:rPr lang="en-GB" sz="7200" b="1" dirty="0"/>
+              <a:t> ho </a:t>
+            </a:r>
+            <a:r>
+              <a:rPr lang="en-GB" sz="7200" b="1" dirty="0" err="1"/>
               <a:t>an’i</a:t>
             </a:r>
             <a:r>
-              <a:rPr lang="en-GB" sz="7200" b="1" dirty="0" smtClean="0"/>
+              <a:rPr lang="en-GB" sz="7200" b="1" dirty="0"/>
               <a:t> Kristy,</a:t>
             </a:r>
-            <a:r>
-              <a:rPr lang="fr-FR" sz="7200" b="1" dirty="0" smtClean="0"/>
-              <a:t/>
-            </a:r>
             <a:br>
-              <a:rPr lang="fr-FR" sz="7200" b="1" dirty="0" smtClean="0"/>
+              <a:rPr lang="fr-FR" sz="7200" b="1" dirty="0"/>
             </a:br>
             <a:r>
-              <a:rPr lang="en-GB" sz="7200" b="1" i="1" dirty="0" err="1" smtClean="0"/>
+              <a:rPr lang="en-GB" sz="7200" b="1" i="1" dirty="0" err="1"/>
               <a:t>I</a:t>
             </a:r>
             <a:r>
-              <a:rPr lang="en-GB" sz="7200" b="1" dirty="0" err="1" smtClean="0"/>
+              <a:rPr lang="en-GB" sz="7200" b="1" dirty="0" err="1"/>
               <a:t>lay</a:t>
             </a:r>
             <a:r>
-              <a:rPr lang="en-GB" sz="7200" b="1" dirty="0" smtClean="0"/>
-              <a:t> </a:t>
-            </a:r>
-            <a:r>
-              <a:rPr lang="en-GB" sz="7200" b="1" dirty="0" err="1" smtClean="0"/>
+              <a:rPr lang="en-GB" sz="7200" b="1" dirty="0"/>
+              <a:t> </a:t>
+            </a:r>
+            <a:r>
+              <a:rPr lang="en-GB" sz="7200" b="1" dirty="0" err="1"/>
               <a:t>Tomponao</a:t>
             </a:r>
             <a:r>
-              <a:rPr lang="en-GB" sz="7200" b="1" dirty="0" smtClean="0"/>
+              <a:rPr lang="en-GB" sz="7200" b="1" dirty="0"/>
               <a:t>.</a:t>
             </a:r>
             <a:endParaRPr lang="fr-FR" sz="7200" b="1" dirty="0"/>
@@ -5221,13 +4561,6 @@
   <p:transition>
     <p:fade/>
   </p:transition>
-  <p:timing>
-    <p:tnLst>
-      <p:par>
-        <p:cTn id="1" dur="indefinite" restart="never" nodeType="tmRoot"/>
-      </p:par>
-    </p:tnLst>
-  </p:timing>
 </p:sld>
 </file>
 
@@ -5271,227 +4604,99 @@
           <a:lstStyle/>
           <a:p>
             <a:r>
-              <a:rPr lang="en-GB" sz="6600" b="1" dirty="0" smtClean="0"/>
-              <a:t> </a:t>
-            </a:r>
-            <a:r>
-              <a:rPr lang="en-GB" sz="6600" b="1" dirty="0" err="1" smtClean="0">
-                <a:solidFill>
-                  <a:srgbClr val="FF0000"/>
-                </a:solidFill>
-              </a:rPr>
+              <a:rPr lang="en-GB" sz="6600" b="1" dirty="0"/>
+              <a:t> </a:t>
+            </a:r>
+            <a:r>
+              <a:rPr lang="en-GB" sz="6600" b="1" dirty="0" err="1"/>
               <a:t>Mivoaha</a:t>
             </a:r>
             <a:r>
-              <a:rPr lang="en-GB" sz="6600" b="1" dirty="0" smtClean="0">
-                <a:solidFill>
-                  <a:srgbClr val="FF0000"/>
-                </a:solidFill>
-              </a:rPr>
+              <a:rPr lang="en-GB" sz="6600" b="1" dirty="0"/>
               <a:t>, </a:t>
             </a:r>
             <a:r>
-              <a:rPr lang="en-GB" sz="6600" b="1" dirty="0" err="1" smtClean="0">
-                <a:solidFill>
-                  <a:srgbClr val="FF0000"/>
-                </a:solidFill>
-              </a:rPr>
+              <a:rPr lang="en-GB" sz="6600" b="1" dirty="0" err="1"/>
               <a:t>asandrato</a:t>
             </a:r>
             <a:r>
-              <a:rPr lang="en-GB" sz="6600" b="1" dirty="0" smtClean="0">
-                <a:solidFill>
-                  <a:srgbClr val="FF0000"/>
-                </a:solidFill>
-              </a:rPr>
-              <a:t> </a:t>
-            </a:r>
-            <a:r>
-              <a:rPr lang="en-GB" sz="6600" b="1" dirty="0" err="1" smtClean="0">
-                <a:solidFill>
-                  <a:srgbClr val="FF0000"/>
-                </a:solidFill>
-              </a:rPr>
+              <a:rPr lang="en-GB" sz="6600" b="1" dirty="0"/>
+              <a:t> </a:t>
+            </a:r>
+            <a:r>
+              <a:rPr lang="en-GB" sz="6600" b="1" dirty="0" err="1"/>
               <a:t>ny</a:t>
             </a:r>
-            <a:r>
-              <a:rPr lang="fr-FR" sz="6600" b="1" dirty="0" smtClean="0">
-                <a:solidFill>
-                  <a:srgbClr val="FF0000"/>
-                </a:solidFill>
-              </a:rPr>
-              <a:t/>
-            </a:r>
             <a:br>
-              <a:rPr lang="fr-FR" sz="6600" b="1" dirty="0" smtClean="0">
-                <a:solidFill>
-                  <a:srgbClr val="FF0000"/>
-                </a:solidFill>
-              </a:rPr>
+              <a:rPr lang="fr-FR" sz="6600" b="1" dirty="0"/>
             </a:br>
             <a:r>
-              <a:rPr lang="en-GB" sz="6600" b="1" dirty="0" err="1" smtClean="0">
-                <a:solidFill>
-                  <a:srgbClr val="FF0000"/>
-                </a:solidFill>
-              </a:rPr>
+              <a:rPr lang="en-GB" sz="6600" b="1" dirty="0" err="1"/>
               <a:t>faneva</a:t>
             </a:r>
             <a:r>
-              <a:rPr lang="en-GB" sz="6600" b="1" dirty="0" smtClean="0">
-                <a:solidFill>
-                  <a:srgbClr val="FF0000"/>
-                </a:solidFill>
-              </a:rPr>
-              <a:t> </a:t>
-            </a:r>
-            <a:r>
-              <a:rPr lang="en-GB" sz="6600" b="1" dirty="0" err="1" smtClean="0">
-                <a:solidFill>
-                  <a:srgbClr val="FF0000"/>
-                </a:solidFill>
-              </a:rPr>
+              <a:rPr lang="en-GB" sz="6600" b="1" dirty="0"/>
+              <a:t> </a:t>
+            </a:r>
+            <a:r>
+              <a:rPr lang="en-GB" sz="6600" b="1" dirty="0" err="1"/>
               <a:t>soanareo</a:t>
             </a:r>
             <a:r>
-              <a:rPr lang="en-GB" sz="6600" b="1" dirty="0" smtClean="0">
-                <a:solidFill>
-                  <a:srgbClr val="FF0000"/>
-                </a:solidFill>
-              </a:rPr>
+              <a:rPr lang="en-GB" sz="6600" b="1" dirty="0"/>
               <a:t> ;</a:t>
             </a:r>
-            <a:r>
-              <a:rPr lang="fr-FR" sz="6600" b="1" dirty="0" smtClean="0">
-                <a:solidFill>
-                  <a:srgbClr val="FF0000"/>
-                </a:solidFill>
-              </a:rPr>
-              <a:t/>
-            </a:r>
             <a:br>
-              <a:rPr lang="fr-FR" sz="6600" b="1" dirty="0" smtClean="0">
-                <a:solidFill>
-                  <a:srgbClr val="FF0000"/>
-                </a:solidFill>
-              </a:rPr>
+              <a:rPr lang="fr-FR" sz="6600" b="1" dirty="0"/>
             </a:br>
             <a:r>
-              <a:rPr lang="en-GB" sz="6600" b="1" dirty="0" err="1" smtClean="0">
-                <a:solidFill>
-                  <a:srgbClr val="FF0000"/>
-                </a:solidFill>
-              </a:rPr>
+              <a:rPr lang="en-GB" sz="6600" b="1" dirty="0" err="1"/>
               <a:t>Tsenao</a:t>
             </a:r>
             <a:r>
-              <a:rPr lang="en-GB" sz="6600" b="1" dirty="0" smtClean="0">
-                <a:solidFill>
-                  <a:srgbClr val="FF0000"/>
-                </a:solidFill>
-              </a:rPr>
-              <a:t> </a:t>
-            </a:r>
-            <a:r>
-              <a:rPr lang="en-GB" sz="6600" b="1" dirty="0" smtClean="0">
-                <a:solidFill>
-                  <a:srgbClr val="FF0000"/>
-                </a:solidFill>
-              </a:rPr>
-              <a:t>re </a:t>
-            </a:r>
-            <a:r>
-              <a:rPr lang="en-GB" sz="6600" b="1" dirty="0" err="1" smtClean="0">
-                <a:solidFill>
-                  <a:srgbClr val="FF0000"/>
-                </a:solidFill>
-              </a:rPr>
+              <a:rPr lang="en-GB" sz="6600" b="1" dirty="0"/>
+              <a:t> re </a:t>
+            </a:r>
+            <a:r>
+              <a:rPr lang="en-GB" sz="6600" b="1" dirty="0" err="1"/>
               <a:t>ny</a:t>
             </a:r>
             <a:r>
-              <a:rPr lang="en-GB" sz="6600" b="1" dirty="0" smtClean="0">
-                <a:solidFill>
-                  <a:srgbClr val="FF0000"/>
-                </a:solidFill>
-              </a:rPr>
-              <a:t> </a:t>
-            </a:r>
-            <a:r>
-              <a:rPr lang="en-GB" sz="6600" b="1" dirty="0" err="1" smtClean="0">
-                <a:solidFill>
-                  <a:srgbClr val="FF0000"/>
-                </a:solidFill>
-              </a:rPr>
+              <a:rPr lang="en-GB" sz="6600" b="1" dirty="0"/>
+              <a:t> </a:t>
+            </a:r>
+            <a:r>
+              <a:rPr lang="en-GB" sz="6600" b="1" dirty="0" err="1"/>
               <a:t>Mpanjaka</a:t>
             </a:r>
             <a:r>
-              <a:rPr lang="en-GB" sz="6600" b="1" dirty="0" smtClean="0">
-                <a:solidFill>
-                  <a:srgbClr val="FF0000"/>
-                </a:solidFill>
-              </a:rPr>
+              <a:rPr lang="en-GB" sz="6600" b="1" dirty="0"/>
               <a:t>,</a:t>
             </a:r>
-            <a:r>
-              <a:rPr lang="fr-FR" sz="6600" b="1" dirty="0" smtClean="0">
-                <a:solidFill>
-                  <a:srgbClr val="FF0000"/>
-                </a:solidFill>
-              </a:rPr>
-              <a:t/>
-            </a:r>
             <a:br>
-              <a:rPr lang="fr-FR" sz="6600" b="1" dirty="0" smtClean="0">
-                <a:solidFill>
-                  <a:srgbClr val="FF0000"/>
-                </a:solidFill>
-              </a:rPr>
+              <a:rPr lang="fr-FR" sz="6600" b="1" dirty="0"/>
             </a:br>
             <a:r>
-              <a:rPr lang="en-GB" sz="6600" b="1" dirty="0" err="1" smtClean="0">
-                <a:solidFill>
-                  <a:srgbClr val="FF0000"/>
-                </a:solidFill>
-              </a:rPr>
+              <a:rPr lang="en-GB" sz="6600" b="1" dirty="0" err="1"/>
               <a:t>fa</a:t>
             </a:r>
             <a:r>
-              <a:rPr lang="en-GB" sz="6600" b="1" dirty="0" smtClean="0">
-                <a:solidFill>
-                  <a:srgbClr val="FF0000"/>
-                </a:solidFill>
-              </a:rPr>
-              <a:t> </a:t>
-            </a:r>
-            <a:r>
-              <a:rPr lang="en-GB" sz="6600" b="1" dirty="0" err="1" smtClean="0">
-                <a:solidFill>
-                  <a:srgbClr val="FF0000"/>
-                </a:solidFill>
-              </a:rPr>
+              <a:rPr lang="en-GB" sz="6600" b="1" dirty="0"/>
+              <a:t> </a:t>
+            </a:r>
+            <a:r>
+              <a:rPr lang="en-GB" sz="6600" b="1" dirty="0" err="1"/>
               <a:t>avy</a:t>
             </a:r>
             <a:r>
-              <a:rPr lang="en-GB" sz="6600" b="1" dirty="0" smtClean="0">
-                <a:solidFill>
-                  <a:srgbClr val="FF0000"/>
-                </a:solidFill>
-              </a:rPr>
-              <a:t> </a:t>
-            </a:r>
-            <a:r>
-              <a:rPr lang="en-GB" sz="6600" b="1" dirty="0" err="1" smtClean="0">
-                <a:solidFill>
-                  <a:srgbClr val="FF0000"/>
-                </a:solidFill>
-              </a:rPr>
+              <a:rPr lang="en-GB" sz="6600" b="1" dirty="0"/>
+              <a:t> </a:t>
+            </a:r>
+            <a:r>
+              <a:rPr lang="en-GB" sz="6600" b="1" dirty="0" err="1"/>
               <a:t>aminao</a:t>
             </a:r>
-            <a:endParaRPr lang="fr-FR" sz="6600" b="1" dirty="0">
-              <a:solidFill>
-                <a:srgbClr val="FF0000"/>
-              </a:solidFill>
-            </a:endParaRPr>
+            <a:endParaRPr lang="fr-FR" sz="6600" b="1" dirty="0"/>
           </a:p>
         </p:txBody>
       </p:sp>
@@ -5508,13 +4713,6 @@
   <p:transition>
     <p:fade/>
   </p:transition>
-  <p:timing>
-    <p:tnLst>
-      <p:par>
-        <p:cTn id="1" dur="indefinite" restart="never" nodeType="tmRoot"/>
-      </p:par>
-    </p:tnLst>
-  </p:timing>
 </p:sld>
 </file>
 
@@ -5558,240 +4756,112 @@
           <a:lstStyle/>
           <a:p>
             <a:r>
-              <a:rPr lang="en-GB" sz="6600" b="1" dirty="0" smtClean="0">
-                <a:solidFill>
-                  <a:srgbClr val="FF0000"/>
-                </a:solidFill>
-              </a:rPr>
-              <a:t> </a:t>
-            </a:r>
-            <a:r>
-              <a:rPr lang="en-GB" sz="6600" b="1" dirty="0" err="1" smtClean="0">
-                <a:solidFill>
-                  <a:srgbClr val="FF0000"/>
-                </a:solidFill>
-              </a:rPr>
+              <a:rPr lang="en-GB" sz="6600" b="1" dirty="0"/>
+              <a:t> </a:t>
+            </a:r>
+            <a:r>
+              <a:rPr lang="en-GB" sz="6600" b="1" dirty="0" err="1"/>
               <a:t>Ny</a:t>
             </a:r>
             <a:r>
-              <a:rPr lang="en-GB" sz="6600" b="1" dirty="0" smtClean="0">
-                <a:solidFill>
-                  <a:srgbClr val="FF0000"/>
-                </a:solidFill>
-              </a:rPr>
-              <a:t> </a:t>
-            </a:r>
-            <a:r>
-              <a:rPr lang="en-GB" sz="6600" b="1" dirty="0" err="1" smtClean="0">
-                <a:solidFill>
-                  <a:srgbClr val="FF0000"/>
-                </a:solidFill>
-              </a:rPr>
+              <a:rPr lang="en-GB" sz="6600" b="1" dirty="0"/>
+              <a:t> </a:t>
+            </a:r>
+            <a:r>
+              <a:rPr lang="en-GB" sz="6600" b="1" dirty="0" err="1"/>
               <a:t>famonjeny</a:t>
             </a:r>
             <a:r>
-              <a:rPr lang="en-GB" sz="6600" b="1" dirty="0" smtClean="0">
-                <a:solidFill>
-                  <a:srgbClr val="FF0000"/>
-                </a:solidFill>
-              </a:rPr>
-              <a:t> </a:t>
-            </a:r>
-            <a:r>
-              <a:rPr lang="en-GB" sz="6600" b="1" dirty="0" err="1" smtClean="0">
-                <a:solidFill>
-                  <a:srgbClr val="FF0000"/>
-                </a:solidFill>
-              </a:rPr>
+              <a:rPr lang="en-GB" sz="6600" b="1" dirty="0"/>
+              <a:t> </a:t>
+            </a:r>
+            <a:r>
+              <a:rPr lang="en-GB" sz="6600" b="1" dirty="0" err="1"/>
               <a:t>sy</a:t>
             </a:r>
             <a:r>
-              <a:rPr lang="en-GB" sz="6600" b="1" dirty="0" smtClean="0">
-                <a:solidFill>
-                  <a:srgbClr val="FF0000"/>
-                </a:solidFill>
-              </a:rPr>
-              <a:t> </a:t>
-            </a:r>
-            <a:r>
-              <a:rPr lang="en-GB" sz="6600" b="1" dirty="0" err="1" smtClean="0">
-                <a:solidFill>
-                  <a:srgbClr val="FF0000"/>
-                </a:solidFill>
-              </a:rPr>
+              <a:rPr lang="en-GB" sz="6600" b="1" dirty="0"/>
+              <a:t> </a:t>
+            </a:r>
+            <a:r>
+              <a:rPr lang="en-GB" sz="6600" b="1" dirty="0" err="1"/>
               <a:t>ny</a:t>
             </a:r>
             <a:r>
-              <a:rPr lang="en-GB" sz="6600" b="1" dirty="0" smtClean="0">
-                <a:solidFill>
-                  <a:srgbClr val="FF0000"/>
-                </a:solidFill>
-              </a:rPr>
-              <a:t> </a:t>
-            </a:r>
-            <a:r>
-              <a:rPr lang="en-GB" sz="6600" b="1" dirty="0" err="1" smtClean="0">
-                <a:solidFill>
-                  <a:srgbClr val="FF0000"/>
-                </a:solidFill>
-              </a:rPr>
+              <a:rPr lang="en-GB" sz="6600" b="1" dirty="0"/>
+              <a:t> </a:t>
+            </a:r>
+            <a:r>
+              <a:rPr lang="en-GB" sz="6600" b="1" dirty="0" err="1"/>
               <a:t>lova</a:t>
             </a:r>
-            <a:r>
-              <a:rPr lang="fr-FR" sz="6600" b="1" dirty="0" smtClean="0">
-                <a:solidFill>
-                  <a:srgbClr val="FF0000"/>
-                </a:solidFill>
-              </a:rPr>
-              <a:t/>
-            </a:r>
             <a:br>
-              <a:rPr lang="fr-FR" sz="6600" b="1" dirty="0" smtClean="0">
-                <a:solidFill>
-                  <a:srgbClr val="FF0000"/>
-                </a:solidFill>
-              </a:rPr>
+              <a:rPr lang="fr-FR" sz="6600" b="1" dirty="0"/>
             </a:br>
             <a:r>
-              <a:rPr lang="en-GB" sz="6600" b="1" i="1" dirty="0" err="1" smtClean="0">
-                <a:solidFill>
-                  <a:srgbClr val="FF0000"/>
-                </a:solidFill>
-              </a:rPr>
+              <a:rPr lang="en-GB" sz="6600" b="1" i="1" dirty="0" err="1"/>
               <a:t>i</a:t>
             </a:r>
             <a:r>
-              <a:rPr lang="en-GB" sz="6600" b="1" dirty="0" err="1" smtClean="0">
-                <a:solidFill>
-                  <a:srgbClr val="FF0000"/>
-                </a:solidFill>
-              </a:rPr>
+              <a:rPr lang="en-GB" sz="6600" b="1" dirty="0" err="1"/>
               <a:t>zay</a:t>
             </a:r>
             <a:r>
-              <a:rPr lang="en-GB" sz="6600" b="1" dirty="0" smtClean="0">
-                <a:solidFill>
-                  <a:srgbClr val="FF0000"/>
-                </a:solidFill>
-              </a:rPr>
-              <a:t> </a:t>
-            </a:r>
-            <a:r>
-              <a:rPr lang="en-GB" sz="6600" b="1" dirty="0" err="1" smtClean="0">
-                <a:solidFill>
-                  <a:srgbClr val="FF0000"/>
-                </a:solidFill>
-              </a:rPr>
+              <a:rPr lang="en-GB" sz="6600" b="1" dirty="0"/>
+              <a:t> </a:t>
+            </a:r>
+            <a:r>
+              <a:rPr lang="en-GB" sz="6600" b="1" dirty="0" err="1"/>
               <a:t>atolony</a:t>
             </a:r>
             <a:r>
-              <a:rPr lang="en-GB" sz="6600" b="1" dirty="0" smtClean="0">
-                <a:solidFill>
-                  <a:srgbClr val="FF0000"/>
-                </a:solidFill>
-              </a:rPr>
-              <a:t> </a:t>
-            </a:r>
-            <a:r>
-              <a:rPr lang="en-GB" sz="6600" b="1" dirty="0" err="1" smtClean="0">
-                <a:solidFill>
-                  <a:srgbClr val="FF0000"/>
-                </a:solidFill>
-              </a:rPr>
+              <a:rPr lang="en-GB" sz="6600" b="1" dirty="0"/>
+              <a:t> </a:t>
+            </a:r>
+            <a:r>
+              <a:rPr lang="en-GB" sz="6600" b="1" dirty="0" err="1"/>
               <a:t>anao</a:t>
             </a:r>
-            <a:r>
-              <a:rPr lang="fr-FR" sz="6600" b="1" dirty="0" smtClean="0">
-                <a:solidFill>
-                  <a:srgbClr val="FF0000"/>
-                </a:solidFill>
-              </a:rPr>
-              <a:t/>
-            </a:r>
             <a:br>
-              <a:rPr lang="fr-FR" sz="6600" b="1" dirty="0" smtClean="0">
-                <a:solidFill>
-                  <a:srgbClr val="FF0000"/>
-                </a:solidFill>
-              </a:rPr>
+              <a:rPr lang="fr-FR" sz="6600" b="1" dirty="0"/>
             </a:br>
             <a:r>
-              <a:rPr lang="en-GB" sz="6600" b="1" dirty="0" err="1" smtClean="0">
-                <a:solidFill>
-                  <a:srgbClr val="FF0000"/>
-                </a:solidFill>
-              </a:rPr>
+              <a:rPr lang="en-GB" sz="6600" b="1" dirty="0" err="1"/>
               <a:t>Satria</a:t>
             </a:r>
             <a:r>
-              <a:rPr lang="en-GB" sz="6600" b="1" dirty="0" smtClean="0">
-                <a:solidFill>
-                  <a:srgbClr val="FF0000"/>
-                </a:solidFill>
-              </a:rPr>
-              <a:t> </a:t>
-            </a:r>
-            <a:r>
-              <a:rPr lang="en-GB" sz="6600" b="1" dirty="0" err="1" smtClean="0">
-                <a:solidFill>
-                  <a:srgbClr val="FF0000"/>
-                </a:solidFill>
-              </a:rPr>
+              <a:rPr lang="en-GB" sz="6600" b="1" dirty="0"/>
+              <a:t> </a:t>
+            </a:r>
+            <a:r>
+              <a:rPr lang="en-GB" sz="6600" b="1" dirty="0" err="1"/>
               <a:t>hianao</a:t>
             </a:r>
             <a:r>
-              <a:rPr lang="en-GB" sz="6600" b="1" dirty="0" smtClean="0">
-                <a:solidFill>
-                  <a:srgbClr val="FF0000"/>
-                </a:solidFill>
-              </a:rPr>
-              <a:t> </a:t>
-            </a:r>
-            <a:r>
-              <a:rPr lang="en-GB" sz="6600" b="1" dirty="0" err="1" smtClean="0">
-                <a:solidFill>
-                  <a:srgbClr val="FF0000"/>
-                </a:solidFill>
-              </a:rPr>
+              <a:rPr lang="en-GB" sz="6600" b="1" dirty="0"/>
+              <a:t> </a:t>
+            </a:r>
+            <a:r>
+              <a:rPr lang="en-GB" sz="6600" b="1" dirty="0" err="1"/>
               <a:t>dia</a:t>
             </a:r>
             <a:r>
-              <a:rPr lang="en-GB" sz="6600" b="1" dirty="0" smtClean="0">
-                <a:solidFill>
-                  <a:srgbClr val="FF0000"/>
-                </a:solidFill>
-              </a:rPr>
-              <a:t> </a:t>
-            </a:r>
-            <a:r>
-              <a:rPr lang="en-GB" sz="6600" b="1" dirty="0" err="1" smtClean="0">
-                <a:solidFill>
-                  <a:srgbClr val="FF0000"/>
-                </a:solidFill>
-              </a:rPr>
+              <a:rPr lang="en-GB" sz="6600" b="1" dirty="0"/>
+              <a:t> </a:t>
+            </a:r>
+            <a:r>
+              <a:rPr lang="en-GB" sz="6600" b="1" dirty="0" err="1"/>
               <a:t>tsy</a:t>
             </a:r>
             <a:r>
-              <a:rPr lang="en-GB" sz="6600" b="1" dirty="0" smtClean="0">
-                <a:solidFill>
-                  <a:srgbClr val="FF0000"/>
-                </a:solidFill>
-              </a:rPr>
-              <a:t> </a:t>
-            </a:r>
-            <a:r>
-              <a:rPr lang="en-GB" sz="6600" b="1" dirty="0" err="1" smtClean="0">
-                <a:solidFill>
-                  <a:srgbClr val="FF0000"/>
-                </a:solidFill>
-              </a:rPr>
+              <a:rPr lang="en-GB" sz="6600" b="1" dirty="0"/>
+              <a:t> </a:t>
+            </a:r>
+            <a:r>
+              <a:rPr lang="en-GB" sz="6600" b="1" dirty="0" err="1"/>
               <a:t>foiny</a:t>
             </a:r>
-            <a:endParaRPr lang="fr-FR" sz="6600" b="1" dirty="0">
-              <a:solidFill>
-                <a:srgbClr val="FF0000"/>
-              </a:solidFill>
-            </a:endParaRPr>
+            <a:endParaRPr lang="fr-FR" sz="6600" b="1" dirty="0"/>
           </a:p>
         </p:txBody>
       </p:sp>
@@ -5808,13 +4878,6 @@
   <p:transition>
     <p:fade/>
   </p:transition>
-  <p:timing>
-    <p:tnLst>
-      <p:par>
-        <p:cTn id="1" dur="indefinite" restart="never" nodeType="tmRoot"/>
-      </p:par>
-    </p:tnLst>
-  </p:timing>
 </p:sld>
 </file>
 
